--- a/Calendario2025/Presentaciones/Direc_Subneteo_Alumnos.pptx
+++ b/Calendario2025/Presentaciones/Direc_Subneteo_Alumnos.pptx
@@ -5,16 +5,15 @@
     <p:sldMasterId id="2147483648" r:id="rId1"/>
   </p:sldMasterIdLst>
   <p:notesMasterIdLst>
-    <p:notesMasterId r:id="rId9"/>
+    <p:notesMasterId r:id="rId8"/>
   </p:notesMasterIdLst>
   <p:sldIdLst>
     <p:sldId id="257" r:id="rId2"/>
     <p:sldId id="278" r:id="rId3"/>
-    <p:sldId id="305" r:id="rId4"/>
-    <p:sldId id="286" r:id="rId5"/>
-    <p:sldId id="270" r:id="rId6"/>
-    <p:sldId id="296" r:id="rId7"/>
-    <p:sldId id="306" r:id="rId8"/>
+    <p:sldId id="307" r:id="rId4"/>
+    <p:sldId id="270" r:id="rId5"/>
+    <p:sldId id="296" r:id="rId6"/>
+    <p:sldId id="306" r:id="rId7"/>
   </p:sldIdLst>
   <p:sldSz cx="9144000" cy="6858000" type="screen4x3"/>
   <p:notesSz cx="6858000" cy="9144000"/>
@@ -214,7 +213,7 @@
           <a:p>
             <a:fld id="{2D445F07-8756-451B-A938-0248325FC7BB}" type="datetimeFigureOut">
               <a:rPr lang="es-MX" smtClean="0"/>
-              <a:t>22/02/2024</a:t>
+              <a:t>16/02/2025</a:t>
             </a:fld>
             <a:endParaRPr lang="es-MX" dirty="0"/>
           </a:p>
@@ -702,11 +701,6 @@
         </p:txBody>
       </p:sp>
     </p:spTree>
-    <p:extLst>
-      <p:ext uri="{BB962C8B-B14F-4D97-AF65-F5344CB8AC3E}">
-        <p14:creationId xmlns:p14="http://schemas.microsoft.com/office/powerpoint/2010/main" val="1588171514"/>
-      </p:ext>
-    </p:extLst>
   </p:cSld>
   <p:clrMapOvr>
     <a:masterClrMapping/>
@@ -715,52 +709,6 @@
 </file>
 
 <file path=ppt/notesSlides/notesSlide5.xml><?xml version="1.0" encoding="utf-8"?>
-<p:notes xmlns:a="http://schemas.openxmlformats.org/drawingml/2006/main" xmlns:r="http://schemas.openxmlformats.org/officeDocument/2006/relationships" xmlns:p="http://schemas.openxmlformats.org/presentationml/2006/main">
-  <p:cSld>
-    <p:spTree>
-      <p:nvGrpSpPr>
-        <p:cNvPr id="1" name=""/>
-        <p:cNvGrpSpPr/>
-        <p:nvPr/>
-      </p:nvGrpSpPr>
-      <p:grpSpPr>
-        <a:xfrm>
-          <a:off x="0" y="0"/>
-          <a:ext cx="0" cy="0"/>
-          <a:chOff x="0" y="0"/>
-          <a:chExt cx="0" cy="0"/>
-        </a:xfrm>
-      </p:grpSpPr>
-      <p:sp>
-        <p:nvSpPr>
-          <p:cNvPr id="2" name="Notes Placeholder"/>
-          <p:cNvSpPr>
-            <a:spLocks noGrp="1"/>
-          </p:cNvSpPr>
-          <p:nvPr>
-            <p:ph type="body" idx="1"/>
-          </p:nvPr>
-        </p:nvSpPr>
-        <p:spPr/>
-        <p:txBody>
-          <a:bodyPr>
-            <a:normAutofit/>
-          </a:bodyPr>
-          <a:lstStyle/>
-          <a:p>
-            <a:endParaRPr dirty="0"/>
-          </a:p>
-        </p:txBody>
-      </p:sp>
-    </p:spTree>
-  </p:cSld>
-  <p:clrMapOvr>
-    <a:masterClrMapping/>
-  </p:clrMapOvr>
-</p:notes>
-</file>
-
-<file path=ppt/notesSlides/notesSlide6.xml><?xml version="1.0" encoding="utf-8"?>
 <p:notes xmlns:a="http://schemas.openxmlformats.org/drawingml/2006/main" xmlns:r="http://schemas.openxmlformats.org/officeDocument/2006/relationships" xmlns:p="http://schemas.openxmlformats.org/presentationml/2006/main">
   <p:cSld>
     <p:spTree>
@@ -811,7 +759,7 @@
 </p:notes>
 </file>
 
-<file path=ppt/notesSlides/notesSlide7.xml><?xml version="1.0" encoding="utf-8"?>
+<file path=ppt/notesSlides/notesSlide6.xml><?xml version="1.0" encoding="utf-8"?>
 <p:notes xmlns:a="http://schemas.openxmlformats.org/drawingml/2006/main" xmlns:r="http://schemas.openxmlformats.org/officeDocument/2006/relationships" xmlns:p="http://schemas.openxmlformats.org/presentationml/2006/main">
   <p:cSld>
     <p:spTree>
@@ -1043,7 +991,7 @@
           <a:p>
             <a:fld id="{5E75A0DC-66C6-4CEC-A5EB-F8C97CEC3796}" type="datetimeFigureOut">
               <a:rPr lang="es-MX" smtClean="0"/>
-              <a:t>22/02/2024</a:t>
+              <a:t>16/02/2025</a:t>
             </a:fld>
             <a:endParaRPr lang="es-MX" dirty="0"/>
           </a:p>
@@ -1213,7 +1161,7 @@
           <a:p>
             <a:fld id="{5E75A0DC-66C6-4CEC-A5EB-F8C97CEC3796}" type="datetimeFigureOut">
               <a:rPr lang="es-MX" smtClean="0"/>
-              <a:t>22/02/2024</a:t>
+              <a:t>16/02/2025</a:t>
             </a:fld>
             <a:endParaRPr lang="es-MX" dirty="0"/>
           </a:p>
@@ -1393,7 +1341,7 @@
           <a:p>
             <a:fld id="{5E75A0DC-66C6-4CEC-A5EB-F8C97CEC3796}" type="datetimeFigureOut">
               <a:rPr lang="es-MX" smtClean="0"/>
-              <a:t>22/02/2024</a:t>
+              <a:t>16/02/2025</a:t>
             </a:fld>
             <a:endParaRPr lang="es-MX" dirty="0"/>
           </a:p>
@@ -1563,7 +1511,7 @@
           <a:p>
             <a:fld id="{5E75A0DC-66C6-4CEC-A5EB-F8C97CEC3796}" type="datetimeFigureOut">
               <a:rPr lang="es-MX" smtClean="0"/>
-              <a:t>22/02/2024</a:t>
+              <a:t>16/02/2025</a:t>
             </a:fld>
             <a:endParaRPr lang="es-MX" dirty="0"/>
           </a:p>
@@ -1809,7 +1757,7 @@
           <a:p>
             <a:fld id="{5E75A0DC-66C6-4CEC-A5EB-F8C97CEC3796}" type="datetimeFigureOut">
               <a:rPr lang="es-MX" smtClean="0"/>
-              <a:t>22/02/2024</a:t>
+              <a:t>16/02/2025</a:t>
             </a:fld>
             <a:endParaRPr lang="es-MX" dirty="0"/>
           </a:p>
@@ -2097,7 +2045,7 @@
           <a:p>
             <a:fld id="{5E75A0DC-66C6-4CEC-A5EB-F8C97CEC3796}" type="datetimeFigureOut">
               <a:rPr lang="es-MX" smtClean="0"/>
-              <a:t>22/02/2024</a:t>
+              <a:t>16/02/2025</a:t>
             </a:fld>
             <a:endParaRPr lang="es-MX" dirty="0"/>
           </a:p>
@@ -2519,7 +2467,7 @@
           <a:p>
             <a:fld id="{5E75A0DC-66C6-4CEC-A5EB-F8C97CEC3796}" type="datetimeFigureOut">
               <a:rPr lang="es-MX" smtClean="0"/>
-              <a:t>22/02/2024</a:t>
+              <a:t>16/02/2025</a:t>
             </a:fld>
             <a:endParaRPr lang="es-MX" dirty="0"/>
           </a:p>
@@ -2637,7 +2585,7 @@
           <a:p>
             <a:fld id="{5E75A0DC-66C6-4CEC-A5EB-F8C97CEC3796}" type="datetimeFigureOut">
               <a:rPr lang="es-MX" smtClean="0"/>
-              <a:t>22/02/2024</a:t>
+              <a:t>16/02/2025</a:t>
             </a:fld>
             <a:endParaRPr lang="es-MX" dirty="0"/>
           </a:p>
@@ -2732,7 +2680,7 @@
           <a:p>
             <a:fld id="{5E75A0DC-66C6-4CEC-A5EB-F8C97CEC3796}" type="datetimeFigureOut">
               <a:rPr lang="es-MX" smtClean="0"/>
-              <a:t>22/02/2024</a:t>
+              <a:t>16/02/2025</a:t>
             </a:fld>
             <a:endParaRPr lang="es-MX" dirty="0"/>
           </a:p>
@@ -3009,7 +2957,7 @@
           <a:p>
             <a:fld id="{5E75A0DC-66C6-4CEC-A5EB-F8C97CEC3796}" type="datetimeFigureOut">
               <a:rPr lang="es-MX" smtClean="0"/>
-              <a:t>22/02/2024</a:t>
+              <a:t>16/02/2025</a:t>
             </a:fld>
             <a:endParaRPr lang="es-MX" dirty="0"/>
           </a:p>
@@ -3262,7 +3210,7 @@
           <a:p>
             <a:fld id="{5E75A0DC-66C6-4CEC-A5EB-F8C97CEC3796}" type="datetimeFigureOut">
               <a:rPr lang="es-MX" smtClean="0"/>
-              <a:t>22/02/2024</a:t>
+              <a:t>16/02/2025</a:t>
             </a:fld>
             <a:endParaRPr lang="es-MX" dirty="0"/>
           </a:p>
@@ -3475,7 +3423,7 @@
           <a:p>
             <a:fld id="{5E75A0DC-66C6-4CEC-A5EB-F8C97CEC3796}" type="datetimeFigureOut">
               <a:rPr lang="es-MX" smtClean="0"/>
-              <a:t>22/02/2024</a:t>
+              <a:t>16/02/2025</a:t>
             </a:fld>
             <a:endParaRPr lang="es-MX" dirty="0"/>
           </a:p>
@@ -5343,8 +5291,8 @@
         </p:nvSpPr>
         <p:spPr>
           <a:xfrm>
-            <a:off x="783431" y="1268760"/>
-            <a:ext cx="7769225" cy="615553"/>
+            <a:off x="323528" y="1119110"/>
+            <a:ext cx="8352928" cy="615553"/>
           </a:xfrm>
           <a:prstGeom prst="rect">
             <a:avLst/>
@@ -5557,31 +5505,7 @@
               <a:rPr sz="2000" dirty="0">
                 <a:cs typeface="Times New Roman"/>
               </a:rPr>
-              <a:t>red, </a:t>
-            </a:r>
-            <a:r>
-              <a:rPr sz="2000" dirty="0" err="1">
-                <a:cs typeface="Times New Roman"/>
-              </a:rPr>
-              <a:t>deter</a:t>
-            </a:r>
-            <a:r>
-              <a:rPr sz="2000" spc="-15" dirty="0" err="1">
-                <a:cs typeface="Times New Roman"/>
-              </a:rPr>
-              <a:t>m</a:t>
-            </a:r>
-            <a:r>
-              <a:rPr sz="2000" dirty="0" err="1">
-                <a:cs typeface="Times New Roman"/>
-              </a:rPr>
-              <a:t>in</a:t>
-            </a:r>
-            <a:r>
-              <a:rPr sz="2000" spc="-10" dirty="0" err="1">
-                <a:cs typeface="Times New Roman"/>
-              </a:rPr>
-              <a:t>a</a:t>
+              <a:t>red, determine</a:t>
             </a:r>
             <a:r>
               <a:rPr sz="2000" spc="-220" dirty="0">
@@ -5667,8 +5591,8 @@
           <p:nvPr/>
         </p:nvGraphicFramePr>
         <p:xfrm>
-          <a:off x="179512" y="2218089"/>
-          <a:ext cx="5328592" cy="2948177"/>
+          <a:off x="323528" y="1799412"/>
+          <a:ext cx="8424936" cy="3173232"/>
         </p:xfrm>
         <a:graphic>
           <a:graphicData uri="http://schemas.openxmlformats.org/drawingml/2006/table">
@@ -5677,17 +5601,24 @@
                 <a:tableStyleId>{2D5ABB26-0587-4C30-8999-92F81FD0307C}</a:tableStyleId>
               </a:tblPr>
               <a:tblGrid>
-                <a:gridCol w="2329226">
+                <a:gridCol w="2448272">
                   <a:extLst>
                     <a:ext uri="{9D8B030D-6E8A-4147-A177-3AD203B41FA5}">
                       <a16:colId xmlns:a16="http://schemas.microsoft.com/office/drawing/2014/main" val="20000"/>
                     </a:ext>
                   </a:extLst>
                 </a:gridCol>
-                <a:gridCol w="2999366">
+                <a:gridCol w="3456384">
                   <a:extLst>
                     <a:ext uri="{9D8B030D-6E8A-4147-A177-3AD203B41FA5}">
                       <a16:colId xmlns:a16="http://schemas.microsoft.com/office/drawing/2014/main" val="20003"/>
+                    </a:ext>
+                  </a:extLst>
+                </a:gridCol>
+                <a:gridCol w="2520280">
+                  <a:extLst>
+                    <a:ext uri="{9D8B030D-6E8A-4147-A177-3AD203B41FA5}">
+                      <a16:colId xmlns:a16="http://schemas.microsoft.com/office/drawing/2014/main" val="3548499248"/>
                     </a:ext>
                   </a:extLst>
                 </a:gridCol>
@@ -5909,27 +5840,188 @@
                           <a:latin typeface="+mn-lt"/>
                           <a:cs typeface="Times New Roman"/>
                         </a:rPr>
-                        <a:t>de sub</a:t>
-                      </a:r>
-                      <a:r>
-                        <a:rPr sz="2400" b="1" spc="-50" dirty="0">
+                        <a:t>de </a:t>
+                      </a:r>
+                      <a:r>
+                        <a:rPr sz="2400" b="1" dirty="0" err="1">
                           <a:solidFill>
                             <a:srgbClr val="FFFFFF"/>
                           </a:solidFill>
                           <a:latin typeface="+mn-lt"/>
                           <a:cs typeface="Times New Roman"/>
                         </a:rPr>
-                        <a:t>r</a:t>
-                      </a:r>
-                      <a:r>
-                        <a:rPr sz="2400" b="1" dirty="0">
+                        <a:t>sub</a:t>
+                      </a:r>
+                      <a:r>
+                        <a:rPr sz="2400" b="1" spc="-50" dirty="0" err="1">
                           <a:solidFill>
                             <a:srgbClr val="FFFFFF"/>
                           </a:solidFill>
                           <a:latin typeface="+mn-lt"/>
                           <a:cs typeface="Times New Roman"/>
                         </a:rPr>
+                        <a:t>r</a:t>
+                      </a:r>
+                      <a:r>
+                        <a:rPr sz="2400" b="1" dirty="0" err="1">
+                          <a:solidFill>
+                            <a:srgbClr val="FFFFFF"/>
+                          </a:solidFill>
+                          <a:latin typeface="+mn-lt"/>
+                          <a:cs typeface="Times New Roman"/>
+                        </a:rPr>
                         <a:t>ed</a:t>
+                      </a:r>
+                      <a:endParaRPr lang="es-MX" sz="2400" b="1" dirty="0">
+                        <a:solidFill>
+                          <a:srgbClr val="FFFFFF"/>
+                        </a:solidFill>
+                        <a:latin typeface="+mn-lt"/>
+                        <a:cs typeface="Times New Roman"/>
+                      </a:endParaRPr>
+                    </a:p>
+                    <a:p>
+                      <a:pPr marL="85725" algn="ctr">
+                        <a:lnSpc>
+                          <a:spcPct val="100000"/>
+                        </a:lnSpc>
+                      </a:pPr>
+                      <a:r>
+                        <a:rPr lang="es-MX" sz="1600" b="1" dirty="0">
+                          <a:solidFill>
+                            <a:schemeClr val="accent6"/>
+                          </a:solidFill>
+                          <a:latin typeface="+mn-lt"/>
+                          <a:cs typeface="Times New Roman"/>
+                        </a:rPr>
+                        <a:t>Método de CISCO</a:t>
+                      </a:r>
+                      <a:endParaRPr sz="1600" dirty="0">
+                        <a:solidFill>
+                          <a:schemeClr val="accent6"/>
+                        </a:solidFill>
+                        <a:latin typeface="+mn-lt"/>
+                        <a:cs typeface="Times New Roman"/>
+                      </a:endParaRPr>
+                    </a:p>
+                  </a:txBody>
+                  <a:tcPr marL="0" marR="0" marT="0" marB="0">
+                    <a:lnL w="12700" cap="flat" cmpd="sng" algn="ctr">
+                      <a:solidFill>
+                        <a:srgbClr val="FFFFFF"/>
+                      </a:solidFill>
+                      <a:prstDash val="solid"/>
+                      <a:round/>
+                      <a:headEnd type="none" w="med" len="med"/>
+                      <a:tailEnd type="none" w="med" len="med"/>
+                    </a:lnL>
+                    <a:lnR w="12700" cap="flat" cmpd="sng" algn="ctr">
+                      <a:solidFill>
+                        <a:srgbClr val="FFFFFF"/>
+                      </a:solidFill>
+                      <a:prstDash val="solid"/>
+                      <a:round/>
+                      <a:headEnd type="none" w="med" len="med"/>
+                      <a:tailEnd type="none" w="med" len="med"/>
+                    </a:lnR>
+                    <a:lnT w="12700">
+                      <a:solidFill>
+                        <a:srgbClr val="FFFFFF"/>
+                      </a:solidFill>
+                      <a:prstDash val="solid"/>
+                    </a:lnT>
+                    <a:lnB w="38100" cap="flat" cmpd="sng" algn="ctr">
+                      <a:solidFill>
+                        <a:srgbClr val="FFFFFF"/>
+                      </a:solidFill>
+                      <a:prstDash val="solid"/>
+                      <a:round/>
+                      <a:headEnd type="none" w="med" len="med"/>
+                      <a:tailEnd type="none" w="med" len="med"/>
+                    </a:lnB>
+                    <a:solidFill>
+                      <a:schemeClr val="accent4">
+                        <a:lumMod val="75000"/>
+                      </a:schemeClr>
+                    </a:solidFill>
+                  </a:tcPr>
+                </a:tc>
+                <a:tc>
+                  <a:txBody>
+                    <a:bodyPr/>
+                    <a:lstStyle/>
+                    <a:p>
+                      <a:pPr marL="85725" algn="ctr">
+                        <a:lnSpc>
+                          <a:spcPct val="100000"/>
+                        </a:lnSpc>
+                      </a:pPr>
+                      <a:r>
+                        <a:rPr lang="es-MX" sz="2400" b="1" dirty="0">
+                          <a:solidFill>
+                            <a:srgbClr val="FFFFFF"/>
+                          </a:solidFill>
+                          <a:latin typeface="+mn-lt"/>
+                          <a:cs typeface="Times New Roman"/>
+                        </a:rPr>
+                        <a:t>Máscara</a:t>
+                      </a:r>
+                      <a:r>
+                        <a:rPr lang="es-MX" sz="2400" b="1" spc="-10" dirty="0">
+                          <a:solidFill>
+                            <a:srgbClr val="FFFFFF"/>
+                          </a:solidFill>
+                          <a:latin typeface="+mn-lt"/>
+                          <a:cs typeface="Times New Roman"/>
+                        </a:rPr>
+                        <a:t> </a:t>
+                      </a:r>
+                      <a:r>
+                        <a:rPr lang="es-MX" sz="2400" b="1" dirty="0">
+                          <a:solidFill>
+                            <a:srgbClr val="FFFFFF"/>
+                          </a:solidFill>
+                          <a:latin typeface="+mn-lt"/>
+                          <a:cs typeface="Times New Roman"/>
+                        </a:rPr>
+                        <a:t>de sub</a:t>
+                      </a:r>
+                      <a:r>
+                        <a:rPr lang="es-MX" sz="2400" b="1" spc="-50" dirty="0">
+                          <a:solidFill>
+                            <a:srgbClr val="FFFFFF"/>
+                          </a:solidFill>
+                          <a:latin typeface="+mn-lt"/>
+                          <a:cs typeface="Times New Roman"/>
+                        </a:rPr>
+                        <a:t>r</a:t>
+                      </a:r>
+                      <a:r>
+                        <a:rPr lang="es-MX" sz="2400" b="1" dirty="0">
+                          <a:solidFill>
+                            <a:srgbClr val="FFFFFF"/>
+                          </a:solidFill>
+                          <a:latin typeface="+mn-lt"/>
+                          <a:cs typeface="Times New Roman"/>
+                        </a:rPr>
+                        <a:t>ed</a:t>
+                      </a:r>
+                    </a:p>
+                    <a:p>
+                      <a:pPr marL="85725" algn="ctr">
+                        <a:lnSpc>
+                          <a:spcPct val="100000"/>
+                        </a:lnSpc>
+                      </a:pPr>
+                      <a:r>
+                        <a:rPr lang="es-MX" sz="1600" b="1" dirty="0">
+                          <a:solidFill>
+                            <a:schemeClr val="accent6"/>
+                          </a:solidFill>
+                          <a:latin typeface="+mn-lt"/>
+                          <a:cs typeface="Times New Roman"/>
+                        </a:rPr>
+                        <a:t>Método base 10</a:t>
                       </a:r>
                       <a:endParaRPr sz="2400" dirty="0">
                         <a:latin typeface="+mn-lt"/>
@@ -6046,7 +6138,21 @@
                           <a:latin typeface="+mn-lt"/>
                           <a:cs typeface="Times New Roman"/>
                         </a:rPr>
-                        <a:t>255.255.1110 0000</a:t>
+                        <a:t>255.255.</a:t>
+                      </a:r>
+                      <a:r>
+                        <a:rPr lang="es-ES" sz="2000" b="1" dirty="0">
+                          <a:latin typeface="+mn-lt"/>
+                          <a:cs typeface="Times New Roman"/>
+                        </a:rPr>
+                        <a:t>1110 0000</a:t>
+                      </a:r>
+                      <a:r>
+                        <a:rPr lang="es-ES" sz="2000" dirty="0">
+                          <a:latin typeface="+mn-lt"/>
+                          <a:cs typeface="Times New Roman"/>
+                        </a:rPr>
+                        <a:t>.0</a:t>
                       </a:r>
                     </a:p>
                     <a:p>
@@ -6058,6 +6164,60 @@
                         </a:rPr>
                         <a:t>255.255.224.0</a:t>
                       </a:r>
+                      <a:endParaRPr sz="2000" dirty="0">
+                        <a:latin typeface="+mn-lt"/>
+                        <a:cs typeface="Times New Roman"/>
+                      </a:endParaRPr>
+                    </a:p>
+                  </a:txBody>
+                  <a:tcPr marL="0" marR="0" marT="0" marB="0" anchor="ctr">
+                    <a:lnL w="12700" cap="flat" cmpd="sng" algn="ctr">
+                      <a:solidFill>
+                        <a:srgbClr val="FFFFFF"/>
+                      </a:solidFill>
+                      <a:prstDash val="solid"/>
+                      <a:round/>
+                      <a:headEnd type="none" w="med" len="med"/>
+                      <a:tailEnd type="none" w="med" len="med"/>
+                    </a:lnL>
+                    <a:lnR w="12700" cap="flat" cmpd="sng" algn="ctr">
+                      <a:solidFill>
+                        <a:srgbClr val="FFFFFF"/>
+                      </a:solidFill>
+                      <a:prstDash val="solid"/>
+                      <a:round/>
+                      <a:headEnd type="none" w="med" len="med"/>
+                      <a:tailEnd type="none" w="med" len="med"/>
+                    </a:lnR>
+                    <a:lnT w="38100" cap="flat" cmpd="sng" algn="ctr">
+                      <a:solidFill>
+                        <a:srgbClr val="FFFFFF"/>
+                      </a:solidFill>
+                      <a:prstDash val="solid"/>
+                      <a:round/>
+                      <a:headEnd type="none" w="med" len="med"/>
+                      <a:tailEnd type="none" w="med" len="med"/>
+                    </a:lnT>
+                    <a:lnB w="12700" cap="flat" cmpd="sng" algn="ctr">
+                      <a:solidFill>
+                        <a:srgbClr val="FFFFFF"/>
+                      </a:solidFill>
+                      <a:prstDash val="solid"/>
+                      <a:round/>
+                      <a:headEnd type="none" w="med" len="med"/>
+                      <a:tailEnd type="none" w="med" len="med"/>
+                    </a:lnB>
+                    <a:solidFill>
+                      <a:srgbClr val="CDCDEB"/>
+                    </a:solidFill>
+                  </a:tcPr>
+                </a:tc>
+                <a:tc>
+                  <a:txBody>
+                    <a:bodyPr/>
+                    <a:lstStyle/>
+                    <a:p>
+                      <a:pPr algn="ctr"/>
                       <a:endParaRPr sz="2000" dirty="0">
                         <a:latin typeface="+mn-lt"/>
                         <a:cs typeface="Times New Roman"/>
@@ -6185,6 +6345,60 @@
                       <a:headEnd type="none" w="med" len="med"/>
                       <a:tailEnd type="none" w="med" len="med"/>
                     </a:lnL>
+                    <a:lnR w="12700" cap="flat" cmpd="sng" algn="ctr">
+                      <a:solidFill>
+                        <a:srgbClr val="FFFFFF"/>
+                      </a:solidFill>
+                      <a:prstDash val="solid"/>
+                      <a:round/>
+                      <a:headEnd type="none" w="med" len="med"/>
+                      <a:tailEnd type="none" w="med" len="med"/>
+                    </a:lnR>
+                    <a:lnT w="12700" cap="flat" cmpd="sng" algn="ctr">
+                      <a:solidFill>
+                        <a:srgbClr val="FFFFFF"/>
+                      </a:solidFill>
+                      <a:prstDash val="solid"/>
+                      <a:round/>
+                      <a:headEnd type="none" w="med" len="med"/>
+                      <a:tailEnd type="none" w="med" len="med"/>
+                    </a:lnT>
+                    <a:lnB w="12700" cap="flat" cmpd="sng" algn="ctr">
+                      <a:solidFill>
+                        <a:srgbClr val="FFFFFF"/>
+                      </a:solidFill>
+                      <a:prstDash val="solid"/>
+                      <a:round/>
+                      <a:headEnd type="none" w="med" len="med"/>
+                      <a:tailEnd type="none" w="med" len="med"/>
+                    </a:lnB>
+                    <a:solidFill>
+                      <a:srgbClr val="E8E8F6"/>
+                    </a:solidFill>
+                  </a:tcPr>
+                </a:tc>
+                <a:tc>
+                  <a:txBody>
+                    <a:bodyPr/>
+                    <a:lstStyle/>
+                    <a:p>
+                      <a:pPr algn="ctr"/>
+                      <a:endParaRPr sz="2000" dirty="0">
+                        <a:latin typeface="+mn-lt"/>
+                        <a:cs typeface="Times New Roman"/>
+                      </a:endParaRPr>
+                    </a:p>
+                  </a:txBody>
+                  <a:tcPr marL="0" marR="0" marT="0" marB="0" anchor="ctr">
+                    <a:lnL w="12700" cap="flat" cmpd="sng" algn="ctr">
+                      <a:solidFill>
+                        <a:srgbClr val="FFFFFF"/>
+                      </a:solidFill>
+                      <a:prstDash val="solid"/>
+                      <a:round/>
+                      <a:headEnd type="none" w="med" len="med"/>
+                      <a:tailEnd type="none" w="med" len="med"/>
+                    </a:lnL>
                     <a:lnR w="12700">
                       <a:solidFill>
                         <a:srgbClr val="FFFFFF"/>
@@ -6356,6 +6570,60 @@
                       <a:headEnd type="none" w="med" len="med"/>
                       <a:tailEnd type="none" w="med" len="med"/>
                     </a:lnL>
+                    <a:lnR w="12700" cap="flat" cmpd="sng" algn="ctr">
+                      <a:solidFill>
+                        <a:srgbClr val="FFFFFF"/>
+                      </a:solidFill>
+                      <a:prstDash val="solid"/>
+                      <a:round/>
+                      <a:headEnd type="none" w="med" len="med"/>
+                      <a:tailEnd type="none" w="med" len="med"/>
+                    </a:lnR>
+                    <a:lnT w="12700" cap="flat" cmpd="sng" algn="ctr">
+                      <a:solidFill>
+                        <a:srgbClr val="FFFFFF"/>
+                      </a:solidFill>
+                      <a:prstDash val="solid"/>
+                      <a:round/>
+                      <a:headEnd type="none" w="med" len="med"/>
+                      <a:tailEnd type="none" w="med" len="med"/>
+                    </a:lnT>
+                    <a:lnB w="12700" cap="flat" cmpd="sng" algn="ctr">
+                      <a:solidFill>
+                        <a:srgbClr val="FFFFFF"/>
+                      </a:solidFill>
+                      <a:prstDash val="solid"/>
+                      <a:round/>
+                      <a:headEnd type="none" w="med" len="med"/>
+                      <a:tailEnd type="none" w="med" len="med"/>
+                    </a:lnB>
+                    <a:solidFill>
+                      <a:srgbClr val="CDCDEB"/>
+                    </a:solidFill>
+                  </a:tcPr>
+                </a:tc>
+                <a:tc>
+                  <a:txBody>
+                    <a:bodyPr/>
+                    <a:lstStyle/>
+                    <a:p>
+                      <a:pPr algn="ctr"/>
+                      <a:endParaRPr sz="2000" dirty="0">
+                        <a:latin typeface="+mn-lt"/>
+                        <a:cs typeface="Times New Roman"/>
+                      </a:endParaRPr>
+                    </a:p>
+                  </a:txBody>
+                  <a:tcPr marL="0" marR="0" marT="0" marB="0" anchor="ctr">
+                    <a:lnL w="12700" cap="flat" cmpd="sng" algn="ctr">
+                      <a:solidFill>
+                        <a:srgbClr val="FFFFFF"/>
+                      </a:solidFill>
+                      <a:prstDash val="solid"/>
+                      <a:round/>
+                      <a:headEnd type="none" w="med" len="med"/>
+                      <a:tailEnd type="none" w="med" len="med"/>
+                    </a:lnL>
                     <a:lnR w="12700">
                       <a:solidFill>
                         <a:srgbClr val="FFFFFF"/>
@@ -6433,6 +6701,57 @@
                         <a:srgbClr val="FFFFFF"/>
                       </a:solidFill>
                       <a:prstDash val="solid"/>
+                    </a:lnT>
+                    <a:lnB w="12700">
+                      <a:solidFill>
+                        <a:srgbClr val="FFFFFF"/>
+                      </a:solidFill>
+                      <a:prstDash val="solid"/>
+                    </a:lnB>
+                    <a:solidFill>
+                      <a:srgbClr val="E8E8F6"/>
+                    </a:solidFill>
+                  </a:tcPr>
+                </a:tc>
+                <a:tc>
+                  <a:txBody>
+                    <a:bodyPr/>
+                    <a:lstStyle/>
+                    <a:p>
+                      <a:pPr algn="ctr"/>
+                      <a:endParaRPr sz="2000" dirty="0">
+                        <a:latin typeface="+mn-lt"/>
+                        <a:cs typeface="Times New Roman"/>
+                      </a:endParaRPr>
+                    </a:p>
+                  </a:txBody>
+                  <a:tcPr marL="0" marR="0" marT="0" marB="0" anchor="ctr">
+                    <a:lnL w="12700" cap="flat" cmpd="sng" algn="ctr">
+                      <a:solidFill>
+                        <a:srgbClr val="FFFFFF"/>
+                      </a:solidFill>
+                      <a:prstDash val="solid"/>
+                      <a:round/>
+                      <a:headEnd type="none" w="med" len="med"/>
+                      <a:tailEnd type="none" w="med" len="med"/>
+                    </a:lnL>
+                    <a:lnR w="12700" cap="flat" cmpd="sng" algn="ctr">
+                      <a:solidFill>
+                        <a:srgbClr val="FFFFFF"/>
+                      </a:solidFill>
+                      <a:prstDash val="solid"/>
+                      <a:round/>
+                      <a:headEnd type="none" w="med" len="med"/>
+                      <a:tailEnd type="none" w="med" len="med"/>
+                    </a:lnR>
+                    <a:lnT w="12700" cap="flat" cmpd="sng" algn="ctr">
+                      <a:solidFill>
+                        <a:srgbClr val="FFFFFF"/>
+                      </a:solidFill>
+                      <a:prstDash val="solid"/>
+                      <a:round/>
+                      <a:headEnd type="none" w="med" len="med"/>
+                      <a:tailEnd type="none" w="med" len="med"/>
                     </a:lnT>
                     <a:lnB w="12700">
                       <a:solidFill>
@@ -6639,7 +6958,7 @@
         </p:blipFill>
         <p:spPr>
           <a:xfrm>
-            <a:off x="5508431" y="2188164"/>
+            <a:off x="5421256" y="4877053"/>
             <a:ext cx="3596178" cy="1981263"/>
           </a:xfrm>
           <a:prstGeom prst="rect">
@@ -6647,10 +6966,89 @@
           </a:prstGeom>
         </p:spPr>
       </p:pic>
+      <p:sp>
+        <p:nvSpPr>
+          <p:cNvPr id="2" name="object 4">
+            <a:extLst>
+              <a:ext uri="{FF2B5EF4-FFF2-40B4-BE49-F238E27FC236}">
+                <a16:creationId xmlns:a16="http://schemas.microsoft.com/office/drawing/2014/main" id="{AFB59491-8EA0-2656-6BAC-ACBF35E7A80E}"/>
+              </a:ext>
+            </a:extLst>
+          </p:cNvPr>
+          <p:cNvSpPr txBox="1"/>
+          <p:nvPr/>
+        </p:nvSpPr>
+        <p:spPr>
+          <a:xfrm>
+            <a:off x="308688" y="5277417"/>
+            <a:ext cx="5112568" cy="922945"/>
+          </a:xfrm>
+          <a:prstGeom prst="rect">
+            <a:avLst/>
+          </a:prstGeom>
+        </p:spPr>
+        <p:txBody>
+          <a:bodyPr vert="horz" wrap="square" lIns="0" tIns="0" rIns="0" bIns="0" rtlCol="0">
+            <a:spAutoFit/>
+          </a:bodyPr>
+          <a:lstStyle/>
+          <a:p>
+            <a:pPr marL="12700" marR="5080" algn="just">
+              <a:lnSpc>
+                <a:spcPct val="100000"/>
+              </a:lnSpc>
+            </a:pPr>
+            <a:r>
+              <a:rPr lang="es-ES" sz="2000" b="1" dirty="0">
+                <a:solidFill>
+                  <a:schemeClr val="accent6">
+                    <a:lumMod val="75000"/>
+                  </a:schemeClr>
+                </a:solidFill>
+                <a:cs typeface="Times New Roman"/>
+              </a:rPr>
+              <a:t>Método base 10: </a:t>
+            </a:r>
+          </a:p>
+          <a:p>
+            <a:pPr marL="182563" marR="5080" indent="-169863" algn="just">
+              <a:lnSpc>
+                <a:spcPts val="2500"/>
+              </a:lnSpc>
+              <a:buFont typeface="Arial" panose="020B0604020202020204" pitchFamily="34" charset="0"/>
+              <a:buChar char="•"/>
+            </a:pPr>
+            <a:r>
+              <a:rPr lang="es-ES" sz="1600" dirty="0">
+                <a:cs typeface="Times New Roman"/>
+              </a:rPr>
+              <a:t>A la izquierda del byte crítico corresponde el valor de 255</a:t>
+            </a:r>
+          </a:p>
+          <a:p>
+            <a:pPr marL="182563" marR="5080" indent="-169863" algn="just">
+              <a:lnSpc>
+                <a:spcPts val="2500"/>
+              </a:lnSpc>
+              <a:buFont typeface="Arial" panose="020B0604020202020204" pitchFamily="34" charset="0"/>
+              <a:buChar char="•"/>
+            </a:pPr>
+            <a:r>
+              <a:rPr lang="es-ES" sz="1600" dirty="0">
+                <a:cs typeface="Times New Roman"/>
+              </a:rPr>
+              <a:t>A la derecha del byte crítico corresponde el valor de 0</a:t>
+            </a:r>
+            <a:endParaRPr sz="1600" dirty="0">
+              <a:cs typeface="Times New Roman"/>
+            </a:endParaRPr>
+          </a:p>
+        </p:txBody>
+      </p:sp>
     </p:spTree>
     <p:extLst>
       <p:ext uri="{BB962C8B-B14F-4D97-AF65-F5344CB8AC3E}">
-        <p14:creationId xmlns:p14="http://schemas.microsoft.com/office/powerpoint/2010/main" val="242643132"/>
+        <p14:creationId xmlns:p14="http://schemas.microsoft.com/office/powerpoint/2010/main" val="1874566291"/>
       </p:ext>
     </p:extLst>
   </p:cSld>
@@ -6811,2097 +7209,6 @@
       </p:grpSpPr>
       <p:sp>
         <p:nvSpPr>
-          <p:cNvPr id="4" name="object 4"/>
-          <p:cNvSpPr txBox="1"/>
-          <p:nvPr/>
-        </p:nvSpPr>
-        <p:spPr>
-          <a:xfrm>
-            <a:off x="611560" y="5323910"/>
-            <a:ext cx="7769225" cy="615553"/>
-          </a:xfrm>
-          <a:prstGeom prst="rect">
-            <a:avLst/>
-          </a:prstGeom>
-        </p:spPr>
-        <p:txBody>
-          <a:bodyPr vert="horz" wrap="square" lIns="0" tIns="0" rIns="0" bIns="0" rtlCol="0">
-            <a:spAutoFit/>
-          </a:bodyPr>
-          <a:lstStyle/>
-          <a:p>
-            <a:pPr marL="12700" marR="5080" algn="just">
-              <a:lnSpc>
-                <a:spcPct val="100000"/>
-              </a:lnSpc>
-            </a:pPr>
-            <a:r>
-              <a:rPr lang="es-ES" sz="2000" dirty="0">
-                <a:cs typeface="Times New Roman"/>
-              </a:rPr>
-              <a:t>A la izquierda del byte crítico corresponde el valor de 255.</a:t>
-            </a:r>
-          </a:p>
-          <a:p>
-            <a:pPr marL="12700" marR="5080" algn="just">
-              <a:lnSpc>
-                <a:spcPct val="100000"/>
-              </a:lnSpc>
-            </a:pPr>
-            <a:r>
-              <a:rPr lang="es-ES" sz="2000" dirty="0">
-                <a:cs typeface="Times New Roman"/>
-              </a:rPr>
-              <a:t>A la derecha del byte crítico corresponde el valor de 0.</a:t>
-            </a:r>
-            <a:endParaRPr sz="2000" dirty="0">
-              <a:cs typeface="Times New Roman"/>
-            </a:endParaRPr>
-          </a:p>
-        </p:txBody>
-      </p:sp>
-      <p:graphicFrame>
-        <p:nvGraphicFramePr>
-          <p:cNvPr id="5" name="object 5"/>
-          <p:cNvGraphicFramePr>
-            <a:graphicFrameLocks noGrp="1"/>
-          </p:cNvGraphicFramePr>
-          <p:nvPr/>
-        </p:nvGraphicFramePr>
-        <p:xfrm>
-          <a:off x="500826" y="2094924"/>
-          <a:ext cx="8280920" cy="2912053"/>
-        </p:xfrm>
-        <a:graphic>
-          <a:graphicData uri="http://schemas.openxmlformats.org/drawingml/2006/table">
-            <a:tbl>
-              <a:tblPr firstRow="1" bandRow="1">
-                <a:tableStyleId>{2D5ABB26-0587-4C30-8999-92F81FD0307C}</a:tableStyleId>
-              </a:tblPr>
-              <a:tblGrid>
-                <a:gridCol w="2916085">
-                  <a:extLst>
-                    <a:ext uri="{9D8B030D-6E8A-4147-A177-3AD203B41FA5}">
-                      <a16:colId xmlns:a16="http://schemas.microsoft.com/office/drawing/2014/main" val="20000"/>
-                    </a:ext>
-                  </a:extLst>
-                </a:gridCol>
-                <a:gridCol w="1701251">
-                  <a:extLst>
-                    <a:ext uri="{9D8B030D-6E8A-4147-A177-3AD203B41FA5}">
-                      <a16:colId xmlns:a16="http://schemas.microsoft.com/office/drawing/2014/main" val="20001"/>
-                    </a:ext>
-                  </a:extLst>
-                </a:gridCol>
-                <a:gridCol w="966006">
-                  <a:extLst>
-                    <a:ext uri="{9D8B030D-6E8A-4147-A177-3AD203B41FA5}">
-                      <a16:colId xmlns:a16="http://schemas.microsoft.com/office/drawing/2014/main" val="20002"/>
-                    </a:ext>
-                  </a:extLst>
-                </a:gridCol>
-                <a:gridCol w="2697578">
-                  <a:extLst>
-                    <a:ext uri="{9D8B030D-6E8A-4147-A177-3AD203B41FA5}">
-                      <a16:colId xmlns:a16="http://schemas.microsoft.com/office/drawing/2014/main" val="20003"/>
-                    </a:ext>
-                  </a:extLst>
-                </a:gridCol>
-              </a:tblGrid>
-              <a:tr h="473653">
-                <a:tc>
-                  <a:txBody>
-                    <a:bodyPr/>
-                    <a:lstStyle/>
-                    <a:p>
-                      <a:pPr marL="85090" algn="ctr">
-                        <a:lnSpc>
-                          <a:spcPct val="100000"/>
-                        </a:lnSpc>
-                      </a:pPr>
-                      <a:r>
-                        <a:rPr sz="2400" b="1" dirty="0">
-                          <a:solidFill>
-                            <a:srgbClr val="FFFFFF"/>
-                          </a:solidFill>
-                          <a:latin typeface="+mn-lt"/>
-                          <a:cs typeface="Times New Roman"/>
-                        </a:rPr>
-                        <a:t>Dir</a:t>
-                      </a:r>
-                      <a:r>
-                        <a:rPr sz="2400" b="1" spc="-50" dirty="0">
-                          <a:solidFill>
-                            <a:srgbClr val="FFFFFF"/>
-                          </a:solidFill>
-                          <a:latin typeface="+mn-lt"/>
-                          <a:cs typeface="Times New Roman"/>
-                        </a:rPr>
-                        <a:t> </a:t>
-                      </a:r>
-                      <a:r>
-                        <a:rPr sz="2400" b="1" dirty="0">
-                          <a:solidFill>
-                            <a:srgbClr val="FFFFFF"/>
-                          </a:solidFill>
-                          <a:latin typeface="+mn-lt"/>
-                          <a:cs typeface="Times New Roman"/>
-                        </a:rPr>
-                        <a:t>IP</a:t>
-                      </a:r>
-                      <a:r>
-                        <a:rPr sz="2400" b="1" spc="-135" dirty="0">
-                          <a:solidFill>
-                            <a:srgbClr val="FFFFFF"/>
-                          </a:solidFill>
-                          <a:latin typeface="+mn-lt"/>
-                          <a:cs typeface="Times New Roman"/>
-                        </a:rPr>
-                        <a:t> </a:t>
-                      </a:r>
-                      <a:r>
-                        <a:rPr sz="2400" b="1" dirty="0">
-                          <a:solidFill>
-                            <a:srgbClr val="FFFFFF"/>
-                          </a:solidFill>
-                          <a:latin typeface="+mn-lt"/>
-                          <a:cs typeface="Times New Roman"/>
-                        </a:rPr>
-                        <a:t>/</a:t>
-                      </a:r>
-                      <a:r>
-                        <a:rPr sz="2400" b="1" spc="-10" dirty="0">
-                          <a:solidFill>
-                            <a:srgbClr val="FFFFFF"/>
-                          </a:solidFill>
-                          <a:latin typeface="+mn-lt"/>
-                          <a:cs typeface="Times New Roman"/>
-                        </a:rPr>
-                        <a:t> </a:t>
-                      </a:r>
-                      <a:r>
-                        <a:rPr sz="2400" b="1" dirty="0">
-                          <a:solidFill>
-                            <a:srgbClr val="FFFFFF"/>
-                          </a:solidFill>
-                          <a:latin typeface="+mn-lt"/>
-                          <a:cs typeface="Times New Roman"/>
-                        </a:rPr>
-                        <a:t>p</a:t>
-                      </a:r>
-                      <a:r>
-                        <a:rPr sz="2400" b="1" spc="-50" dirty="0">
-                          <a:solidFill>
-                            <a:srgbClr val="FFFFFF"/>
-                          </a:solidFill>
-                          <a:latin typeface="+mn-lt"/>
-                          <a:cs typeface="Times New Roman"/>
-                        </a:rPr>
-                        <a:t>r</a:t>
-                      </a:r>
-                      <a:r>
-                        <a:rPr sz="2400" b="1" dirty="0">
-                          <a:solidFill>
-                            <a:srgbClr val="FFFFFF"/>
-                          </a:solidFill>
-                          <a:latin typeface="+mn-lt"/>
-                          <a:cs typeface="Times New Roman"/>
-                        </a:rPr>
-                        <a:t>ef</a:t>
-                      </a:r>
-                      <a:r>
-                        <a:rPr sz="2400" b="1" spc="5" dirty="0">
-                          <a:solidFill>
-                            <a:srgbClr val="FFFFFF"/>
-                          </a:solidFill>
-                          <a:latin typeface="+mn-lt"/>
-                          <a:cs typeface="Times New Roman"/>
-                        </a:rPr>
-                        <a:t>i</a:t>
-                      </a:r>
-                      <a:r>
-                        <a:rPr sz="2400" b="1" dirty="0">
-                          <a:solidFill>
-                            <a:srgbClr val="FFFFFF"/>
-                          </a:solidFill>
-                          <a:latin typeface="+mn-lt"/>
-                          <a:cs typeface="Times New Roman"/>
-                        </a:rPr>
-                        <a:t>jo </a:t>
-                      </a:r>
-                      <a:r>
-                        <a:rPr sz="2400" b="1" spc="-55" dirty="0">
-                          <a:solidFill>
-                            <a:srgbClr val="FFFFFF"/>
-                          </a:solidFill>
-                          <a:latin typeface="+mn-lt"/>
-                          <a:cs typeface="Times New Roman"/>
-                        </a:rPr>
-                        <a:t>r</a:t>
-                      </a:r>
-                      <a:r>
-                        <a:rPr sz="2400" b="1" dirty="0">
-                          <a:solidFill>
-                            <a:srgbClr val="FFFFFF"/>
-                          </a:solidFill>
-                          <a:latin typeface="+mn-lt"/>
-                          <a:cs typeface="Times New Roman"/>
-                        </a:rPr>
-                        <a:t>ed</a:t>
-                      </a:r>
-                      <a:endParaRPr sz="2400" dirty="0">
-                        <a:latin typeface="+mn-lt"/>
-                        <a:cs typeface="Times New Roman"/>
-                      </a:endParaRPr>
-                    </a:p>
-                  </a:txBody>
-                  <a:tcPr marL="0" marR="0" marT="0" marB="0">
-                    <a:lnL w="12700">
-                      <a:solidFill>
-                        <a:srgbClr val="FFFFFF"/>
-                      </a:solidFill>
-                      <a:prstDash val="solid"/>
-                    </a:lnL>
-                    <a:lnR w="12700">
-                      <a:solidFill>
-                        <a:srgbClr val="FFFFFF"/>
-                      </a:solidFill>
-                      <a:prstDash val="solid"/>
-                    </a:lnR>
-                    <a:lnT w="12700">
-                      <a:solidFill>
-                        <a:srgbClr val="FFFFFF"/>
-                      </a:solidFill>
-                      <a:prstDash val="solid"/>
-                    </a:lnT>
-                    <a:lnB w="38100">
-                      <a:solidFill>
-                        <a:srgbClr val="FFFFFF"/>
-                      </a:solidFill>
-                      <a:prstDash val="solid"/>
-                    </a:lnB>
-                    <a:solidFill>
-                      <a:schemeClr val="accent4">
-                        <a:lumMod val="75000"/>
-                      </a:schemeClr>
-                    </a:solidFill>
-                  </a:tcPr>
-                </a:tc>
-                <a:tc>
-                  <a:txBody>
-                    <a:bodyPr/>
-                    <a:lstStyle/>
-                    <a:p>
-                      <a:pPr marL="85090" algn="ctr">
-                        <a:lnSpc>
-                          <a:spcPct val="100000"/>
-                        </a:lnSpc>
-                      </a:pPr>
-                      <a:r>
-                        <a:rPr sz="2400" b="1" dirty="0">
-                          <a:solidFill>
-                            <a:srgbClr val="FFFFFF"/>
-                          </a:solidFill>
-                          <a:latin typeface="+mn-lt"/>
-                          <a:cs typeface="Times New Roman"/>
-                        </a:rPr>
-                        <a:t>Pos BC</a:t>
-                      </a:r>
-                      <a:endParaRPr sz="2400" dirty="0">
-                        <a:latin typeface="+mn-lt"/>
-                        <a:cs typeface="Times New Roman"/>
-                      </a:endParaRPr>
-                    </a:p>
-                  </a:txBody>
-                  <a:tcPr marL="0" marR="0" marT="0" marB="0">
-                    <a:lnL w="12700">
-                      <a:solidFill>
-                        <a:srgbClr val="FFFFFF"/>
-                      </a:solidFill>
-                      <a:prstDash val="solid"/>
-                    </a:lnL>
-                    <a:lnR w="12700">
-                      <a:solidFill>
-                        <a:srgbClr val="FFFFFF"/>
-                      </a:solidFill>
-                      <a:prstDash val="solid"/>
-                    </a:lnR>
-                    <a:lnT w="12700">
-                      <a:solidFill>
-                        <a:srgbClr val="FFFFFF"/>
-                      </a:solidFill>
-                      <a:prstDash val="solid"/>
-                    </a:lnT>
-                    <a:lnB w="38100" cap="flat" cmpd="sng" algn="ctr">
-                      <a:solidFill>
-                        <a:srgbClr val="FFFFFF"/>
-                      </a:solidFill>
-                      <a:prstDash val="solid"/>
-                      <a:round/>
-                      <a:headEnd type="none" w="med" len="med"/>
-                      <a:tailEnd type="none" w="med" len="med"/>
-                    </a:lnB>
-                    <a:solidFill>
-                      <a:schemeClr val="accent4">
-                        <a:lumMod val="75000"/>
-                      </a:schemeClr>
-                    </a:solidFill>
-                  </a:tcPr>
-                </a:tc>
-                <a:tc>
-                  <a:txBody>
-                    <a:bodyPr/>
-                    <a:lstStyle/>
-                    <a:p>
-                      <a:pPr marL="85725" algn="ctr">
-                        <a:lnSpc>
-                          <a:spcPct val="100000"/>
-                        </a:lnSpc>
-                      </a:pPr>
-                      <a:r>
-                        <a:rPr sz="2400" b="1" dirty="0">
-                          <a:solidFill>
-                            <a:srgbClr val="FFFFFF"/>
-                          </a:solidFill>
-                          <a:latin typeface="+mn-lt"/>
-                          <a:cs typeface="Times New Roman"/>
-                        </a:rPr>
-                        <a:t>k</a:t>
-                      </a:r>
-                      <a:endParaRPr sz="2400" dirty="0">
-                        <a:latin typeface="+mn-lt"/>
-                        <a:cs typeface="Times New Roman"/>
-                      </a:endParaRPr>
-                    </a:p>
-                  </a:txBody>
-                  <a:tcPr marL="0" marR="0" marT="0" marB="0">
-                    <a:lnL w="12700">
-                      <a:solidFill>
-                        <a:srgbClr val="FFFFFF"/>
-                      </a:solidFill>
-                      <a:prstDash val="solid"/>
-                    </a:lnL>
-                    <a:lnR w="12700">
-                      <a:solidFill>
-                        <a:srgbClr val="FFFFFF"/>
-                      </a:solidFill>
-                      <a:prstDash val="solid"/>
-                    </a:lnR>
-                    <a:lnT w="12700">
-                      <a:solidFill>
-                        <a:srgbClr val="FFFFFF"/>
-                      </a:solidFill>
-                      <a:prstDash val="solid"/>
-                    </a:lnT>
-                    <a:lnB w="38100" cap="flat" cmpd="sng" algn="ctr">
-                      <a:solidFill>
-                        <a:srgbClr val="FFFFFF"/>
-                      </a:solidFill>
-                      <a:prstDash val="solid"/>
-                      <a:round/>
-                      <a:headEnd type="none" w="med" len="med"/>
-                      <a:tailEnd type="none" w="med" len="med"/>
-                    </a:lnB>
-                    <a:solidFill>
-                      <a:schemeClr val="accent4">
-                        <a:lumMod val="75000"/>
-                      </a:schemeClr>
-                    </a:solidFill>
-                  </a:tcPr>
-                </a:tc>
-                <a:tc>
-                  <a:txBody>
-                    <a:bodyPr/>
-                    <a:lstStyle/>
-                    <a:p>
-                      <a:pPr marL="85725" algn="ctr">
-                        <a:lnSpc>
-                          <a:spcPct val="100000"/>
-                        </a:lnSpc>
-                      </a:pPr>
-                      <a:r>
-                        <a:rPr sz="2400" b="1" dirty="0">
-                          <a:solidFill>
-                            <a:srgbClr val="FFFFFF"/>
-                          </a:solidFill>
-                          <a:latin typeface="+mn-lt"/>
-                          <a:cs typeface="Times New Roman"/>
-                        </a:rPr>
-                        <a:t>Máscara</a:t>
-                      </a:r>
-                      <a:r>
-                        <a:rPr sz="2400" b="1" spc="-10" dirty="0">
-                          <a:solidFill>
-                            <a:srgbClr val="FFFFFF"/>
-                          </a:solidFill>
-                          <a:latin typeface="+mn-lt"/>
-                          <a:cs typeface="Times New Roman"/>
-                        </a:rPr>
-                        <a:t> </a:t>
-                      </a:r>
-                      <a:r>
-                        <a:rPr sz="2400" b="1" dirty="0">
-                          <a:solidFill>
-                            <a:srgbClr val="FFFFFF"/>
-                          </a:solidFill>
-                          <a:latin typeface="+mn-lt"/>
-                          <a:cs typeface="Times New Roman"/>
-                        </a:rPr>
-                        <a:t>de sub</a:t>
-                      </a:r>
-                      <a:r>
-                        <a:rPr sz="2400" b="1" spc="-50" dirty="0">
-                          <a:solidFill>
-                            <a:srgbClr val="FFFFFF"/>
-                          </a:solidFill>
-                          <a:latin typeface="+mn-lt"/>
-                          <a:cs typeface="Times New Roman"/>
-                        </a:rPr>
-                        <a:t>r</a:t>
-                      </a:r>
-                      <a:r>
-                        <a:rPr sz="2400" b="1" dirty="0">
-                          <a:solidFill>
-                            <a:srgbClr val="FFFFFF"/>
-                          </a:solidFill>
-                          <a:latin typeface="+mn-lt"/>
-                          <a:cs typeface="Times New Roman"/>
-                        </a:rPr>
-                        <a:t>ed</a:t>
-                      </a:r>
-                      <a:endParaRPr sz="2400" dirty="0">
-                        <a:latin typeface="+mn-lt"/>
-                        <a:cs typeface="Times New Roman"/>
-                      </a:endParaRPr>
-                    </a:p>
-                  </a:txBody>
-                  <a:tcPr marL="0" marR="0" marT="0" marB="0">
-                    <a:lnL w="12700">
-                      <a:solidFill>
-                        <a:srgbClr val="FFFFFF"/>
-                      </a:solidFill>
-                      <a:prstDash val="solid"/>
-                    </a:lnL>
-                    <a:lnR w="12700">
-                      <a:solidFill>
-                        <a:srgbClr val="FFFFFF"/>
-                      </a:solidFill>
-                      <a:prstDash val="solid"/>
-                    </a:lnR>
-                    <a:lnT w="12700">
-                      <a:solidFill>
-                        <a:srgbClr val="FFFFFF"/>
-                      </a:solidFill>
-                      <a:prstDash val="solid"/>
-                    </a:lnT>
-                    <a:lnB w="38100" cap="flat" cmpd="sng" algn="ctr">
-                      <a:solidFill>
-                        <a:srgbClr val="FFFFFF"/>
-                      </a:solidFill>
-                      <a:prstDash val="solid"/>
-                      <a:round/>
-                      <a:headEnd type="none" w="med" len="med"/>
-                      <a:tailEnd type="none" w="med" len="med"/>
-                    </a:lnB>
-                    <a:solidFill>
-                      <a:schemeClr val="accent4">
-                        <a:lumMod val="75000"/>
-                      </a:schemeClr>
-                    </a:solidFill>
-                  </a:tcPr>
-                </a:tc>
-                <a:extLst>
-                  <a:ext uri="{0D108BD9-81ED-4DB2-BD59-A6C34878D82A}">
-                    <a16:rowId xmlns:a16="http://schemas.microsoft.com/office/drawing/2014/main" val="10000"/>
-                  </a:ext>
-                </a:extLst>
-              </a:tr>
-              <a:tr h="448050">
-                <a:tc>
-                  <a:txBody>
-                    <a:bodyPr/>
-                    <a:lstStyle/>
-                    <a:p>
-                      <a:pPr marL="85090" algn="ctr">
-                        <a:lnSpc>
-                          <a:spcPct val="100000"/>
-                        </a:lnSpc>
-                        <a:tabLst>
-                          <a:tab pos="1761489" algn="l"/>
-                          <a:tab pos="1998345" algn="l"/>
-                        </a:tabLst>
-                      </a:pPr>
-                      <a:r>
-                        <a:rPr sz="2400" dirty="0">
-                          <a:latin typeface="+mn-lt"/>
-                          <a:cs typeface="Times New Roman"/>
-                        </a:rPr>
-                        <a:t>135. 21. 0. 0	/	19</a:t>
-                      </a:r>
-                    </a:p>
-                  </a:txBody>
-                  <a:tcPr marL="0" marR="0" marT="0" marB="0" anchor="ctr">
-                    <a:lnL w="12700">
-                      <a:solidFill>
-                        <a:srgbClr val="FFFFFF"/>
-                      </a:solidFill>
-                      <a:prstDash val="solid"/>
-                    </a:lnL>
-                    <a:lnR w="12700" cap="flat" cmpd="sng" algn="ctr">
-                      <a:solidFill>
-                        <a:srgbClr val="FFFFFF"/>
-                      </a:solidFill>
-                      <a:prstDash val="solid"/>
-                      <a:round/>
-                      <a:headEnd type="none" w="med" len="med"/>
-                      <a:tailEnd type="none" w="med" len="med"/>
-                    </a:lnR>
-                    <a:lnT w="38100">
-                      <a:solidFill>
-                        <a:srgbClr val="FFFFFF"/>
-                      </a:solidFill>
-                      <a:prstDash val="solid"/>
-                    </a:lnT>
-                    <a:lnB w="12700">
-                      <a:solidFill>
-                        <a:srgbClr val="FFFFFF"/>
-                      </a:solidFill>
-                      <a:prstDash val="solid"/>
-                    </a:lnB>
-                    <a:solidFill>
-                      <a:srgbClr val="CDCDEB"/>
-                    </a:solidFill>
-                  </a:tcPr>
-                </a:tc>
-                <a:tc>
-                  <a:txBody>
-                    <a:bodyPr/>
-                    <a:lstStyle/>
-                    <a:p>
-                      <a:pPr algn="ctr"/>
-                      <a:r>
-                        <a:rPr lang="es-MX" sz="2000" dirty="0">
-                          <a:latin typeface="+mn-lt"/>
-                          <a:cs typeface="Times New Roman"/>
-                        </a:rPr>
-                        <a:t>135. 21. </a:t>
-                      </a:r>
-                      <a:r>
-                        <a:rPr lang="es-MX" sz="2000" b="1" dirty="0">
-                          <a:solidFill>
-                            <a:srgbClr val="FF0000"/>
-                          </a:solidFill>
-                          <a:latin typeface="+mn-lt"/>
-                          <a:cs typeface="Times New Roman"/>
-                        </a:rPr>
-                        <a:t>0</a:t>
-                      </a:r>
-                      <a:r>
-                        <a:rPr lang="es-MX" sz="2000" dirty="0">
-                          <a:latin typeface="+mn-lt"/>
-                          <a:cs typeface="Times New Roman"/>
-                        </a:rPr>
-                        <a:t>. 0</a:t>
-                      </a:r>
-                    </a:p>
-                    <a:p>
-                      <a:pPr algn="ctr"/>
-                      <a:r>
-                        <a:rPr lang="es-ES" sz="2000" dirty="0">
-                          <a:latin typeface="+mn-lt"/>
-                          <a:cs typeface="Times New Roman"/>
-                        </a:rPr>
-                        <a:t>3</a:t>
-                      </a:r>
-                      <a:endParaRPr sz="2000" dirty="0">
-                        <a:latin typeface="+mn-lt"/>
-                        <a:cs typeface="Times New Roman"/>
-                      </a:endParaRPr>
-                    </a:p>
-                  </a:txBody>
-                  <a:tcPr marL="0" marR="0" marT="0" marB="0" anchor="ctr">
-                    <a:lnL w="12700">
-                      <a:solidFill>
-                        <a:srgbClr val="FFFFFF"/>
-                      </a:solidFill>
-                      <a:prstDash val="solid"/>
-                    </a:lnL>
-                    <a:lnR w="12700">
-                      <a:solidFill>
-                        <a:srgbClr val="FFFFFF"/>
-                      </a:solidFill>
-                      <a:prstDash val="solid"/>
-                    </a:lnR>
-                    <a:lnT w="38100">
-                      <a:solidFill>
-                        <a:srgbClr val="FFFFFF"/>
-                      </a:solidFill>
-                      <a:prstDash val="solid"/>
-                    </a:lnT>
-                    <a:lnB w="12700">
-                      <a:solidFill>
-                        <a:srgbClr val="FFFFFF"/>
-                      </a:solidFill>
-                      <a:prstDash val="solid"/>
-                    </a:lnB>
-                    <a:solidFill>
-                      <a:srgbClr val="CDCDEB"/>
-                    </a:solidFill>
-                  </a:tcPr>
-                </a:tc>
-                <a:tc>
-                  <a:txBody>
-                    <a:bodyPr/>
-                    <a:lstStyle/>
-                    <a:p>
-                      <a:pPr algn="ctr"/>
-                      <a:r>
-                        <a:rPr lang="es-ES" sz="2000" dirty="0">
-                          <a:latin typeface="+mn-lt"/>
-                          <a:cs typeface="Times New Roman"/>
-                        </a:rPr>
-                        <a:t>5</a:t>
-                      </a:r>
-                    </a:p>
-                    <a:p>
-                      <a:pPr algn="ctr"/>
-                      <a:r>
-                        <a:rPr lang="es-ES" sz="2000" dirty="0">
-                          <a:latin typeface="+mn-lt"/>
-                          <a:cs typeface="Times New Roman"/>
-                        </a:rPr>
-                        <a:t>2^5 =32</a:t>
-                      </a:r>
-                      <a:endParaRPr sz="2000" dirty="0">
-                        <a:latin typeface="+mn-lt"/>
-                        <a:cs typeface="Times New Roman"/>
-                      </a:endParaRPr>
-                    </a:p>
-                  </a:txBody>
-                  <a:tcPr marL="0" marR="0" marT="0" marB="0" anchor="ctr">
-                    <a:lnL w="12700">
-                      <a:solidFill>
-                        <a:srgbClr val="FFFFFF"/>
-                      </a:solidFill>
-                      <a:prstDash val="solid"/>
-                    </a:lnL>
-                    <a:lnR w="12700">
-                      <a:solidFill>
-                        <a:srgbClr val="FFFFFF"/>
-                      </a:solidFill>
-                      <a:prstDash val="solid"/>
-                    </a:lnR>
-                    <a:lnT w="38100">
-                      <a:solidFill>
-                        <a:srgbClr val="FFFFFF"/>
-                      </a:solidFill>
-                      <a:prstDash val="solid"/>
-                    </a:lnT>
-                    <a:lnB w="12700">
-                      <a:solidFill>
-                        <a:srgbClr val="FFFFFF"/>
-                      </a:solidFill>
-                      <a:prstDash val="solid"/>
-                    </a:lnB>
-                    <a:solidFill>
-                      <a:srgbClr val="CDCDEB"/>
-                    </a:solidFill>
-                  </a:tcPr>
-                </a:tc>
-                <a:tc>
-                  <a:txBody>
-                    <a:bodyPr/>
-                    <a:lstStyle/>
-                    <a:p>
-                      <a:pPr algn="ctr"/>
-                      <a:r>
-                        <a:rPr lang="es-ES" sz="2000" dirty="0">
-                          <a:latin typeface="+mn-lt"/>
-                          <a:cs typeface="Times New Roman"/>
-                        </a:rPr>
-                        <a:t>255.255.</a:t>
-                      </a:r>
-                      <a:r>
-                        <a:rPr lang="es-ES" sz="2000" b="1" dirty="0">
-                          <a:latin typeface="+mn-lt"/>
-                          <a:cs typeface="Times New Roman"/>
-                        </a:rPr>
-                        <a:t>256-32</a:t>
-                      </a:r>
-                      <a:r>
-                        <a:rPr lang="es-ES" sz="2000" dirty="0">
-                          <a:latin typeface="+mn-lt"/>
-                          <a:cs typeface="Times New Roman"/>
-                        </a:rPr>
-                        <a:t>.0</a:t>
-                      </a:r>
-                    </a:p>
-                    <a:p>
-                      <a:pPr algn="ctr"/>
-                      <a:r>
-                        <a:rPr lang="es-ES" sz="2000" b="1" dirty="0">
-                          <a:latin typeface="+mn-lt"/>
-                          <a:cs typeface="Times New Roman"/>
-                        </a:rPr>
-                        <a:t>255.255</a:t>
-                      </a:r>
-                      <a:r>
-                        <a:rPr lang="es-ES" sz="2000" dirty="0">
-                          <a:latin typeface="+mn-lt"/>
-                          <a:cs typeface="Times New Roman"/>
-                        </a:rPr>
-                        <a:t>.224.</a:t>
-                      </a:r>
-                      <a:r>
-                        <a:rPr lang="es-ES" sz="2000" b="1" dirty="0">
-                          <a:latin typeface="+mn-lt"/>
-                          <a:cs typeface="Times New Roman"/>
-                        </a:rPr>
-                        <a:t>0</a:t>
-                      </a:r>
-                      <a:endParaRPr sz="2000" b="1" dirty="0">
-                        <a:latin typeface="+mn-lt"/>
-                        <a:cs typeface="Times New Roman"/>
-                      </a:endParaRPr>
-                    </a:p>
-                  </a:txBody>
-                  <a:tcPr marL="0" marR="0" marT="0" marB="0" anchor="ctr">
-                    <a:lnL w="12700">
-                      <a:solidFill>
-                        <a:srgbClr val="FFFFFF"/>
-                      </a:solidFill>
-                      <a:prstDash val="solid"/>
-                    </a:lnL>
-                    <a:lnR w="12700">
-                      <a:solidFill>
-                        <a:srgbClr val="FFFFFF"/>
-                      </a:solidFill>
-                      <a:prstDash val="solid"/>
-                    </a:lnR>
-                    <a:lnT w="38100">
-                      <a:solidFill>
-                        <a:srgbClr val="FFFFFF"/>
-                      </a:solidFill>
-                      <a:prstDash val="solid"/>
-                    </a:lnT>
-                    <a:lnB w="12700">
-                      <a:solidFill>
-                        <a:srgbClr val="FFFFFF"/>
-                      </a:solidFill>
-                      <a:prstDash val="solid"/>
-                    </a:lnB>
-                    <a:solidFill>
-                      <a:srgbClr val="CDCDEB"/>
-                    </a:solidFill>
-                  </a:tcPr>
-                </a:tc>
-                <a:extLst>
-                  <a:ext uri="{0D108BD9-81ED-4DB2-BD59-A6C34878D82A}">
-                    <a16:rowId xmlns:a16="http://schemas.microsoft.com/office/drawing/2014/main" val="10001"/>
-                  </a:ext>
-                </a:extLst>
-              </a:tr>
-              <a:tr h="460851">
-                <a:tc>
-                  <a:txBody>
-                    <a:bodyPr/>
-                    <a:lstStyle/>
-                    <a:p>
-                      <a:pPr marL="85090" algn="ctr">
-                        <a:lnSpc>
-                          <a:spcPct val="100000"/>
-                        </a:lnSpc>
-                        <a:tabLst>
-                          <a:tab pos="1304290" algn="l"/>
-                          <a:tab pos="1540510" algn="l"/>
-                        </a:tabLst>
-                      </a:pPr>
-                      <a:r>
-                        <a:rPr sz="2400" dirty="0">
-                          <a:latin typeface="+mn-lt"/>
-                          <a:cs typeface="Times New Roman"/>
-                        </a:rPr>
-                        <a:t>1. 0. 0. 0	/	26</a:t>
-                      </a:r>
-                    </a:p>
-                  </a:txBody>
-                  <a:tcPr marL="0" marR="0" marT="0" marB="0" anchor="ctr">
-                    <a:lnL w="12700">
-                      <a:solidFill>
-                        <a:srgbClr val="FFFFFF"/>
-                      </a:solidFill>
-                      <a:prstDash val="solid"/>
-                    </a:lnL>
-                    <a:lnR w="12700">
-                      <a:solidFill>
-                        <a:srgbClr val="FFFFFF"/>
-                      </a:solidFill>
-                      <a:prstDash val="solid"/>
-                    </a:lnR>
-                    <a:lnT w="12700">
-                      <a:solidFill>
-                        <a:srgbClr val="FFFFFF"/>
-                      </a:solidFill>
-                      <a:prstDash val="solid"/>
-                    </a:lnT>
-                    <a:lnB w="12700">
-                      <a:solidFill>
-                        <a:srgbClr val="FFFFFF"/>
-                      </a:solidFill>
-                      <a:prstDash val="solid"/>
-                    </a:lnB>
-                    <a:solidFill>
-                      <a:srgbClr val="E8E8F6"/>
-                    </a:solidFill>
-                  </a:tcPr>
-                </a:tc>
-                <a:tc>
-                  <a:txBody>
-                    <a:bodyPr/>
-                    <a:lstStyle/>
-                    <a:p>
-                      <a:pPr algn="ctr"/>
-                      <a:endParaRPr lang="es-ES" sz="2000" dirty="0">
-                        <a:latin typeface="+mn-lt"/>
-                        <a:cs typeface="Times New Roman"/>
-                      </a:endParaRPr>
-                    </a:p>
-                    <a:p>
-                      <a:pPr algn="ctr"/>
-                      <a:endParaRPr sz="2000" dirty="0">
-                        <a:latin typeface="+mn-lt"/>
-                        <a:cs typeface="Times New Roman"/>
-                      </a:endParaRPr>
-                    </a:p>
-                  </a:txBody>
-                  <a:tcPr marL="0" marR="0" marT="0" marB="0" anchor="ctr">
-                    <a:lnL w="12700">
-                      <a:solidFill>
-                        <a:srgbClr val="FFFFFF"/>
-                      </a:solidFill>
-                      <a:prstDash val="solid"/>
-                    </a:lnL>
-                    <a:lnR w="12700">
-                      <a:solidFill>
-                        <a:srgbClr val="FFFFFF"/>
-                      </a:solidFill>
-                      <a:prstDash val="solid"/>
-                    </a:lnR>
-                    <a:lnT w="12700" cap="flat" cmpd="sng" algn="ctr">
-                      <a:solidFill>
-                        <a:srgbClr val="FFFFFF"/>
-                      </a:solidFill>
-                      <a:prstDash val="solid"/>
-                      <a:round/>
-                      <a:headEnd type="none" w="med" len="med"/>
-                      <a:tailEnd type="none" w="med" len="med"/>
-                    </a:lnT>
-                    <a:lnB w="12700">
-                      <a:solidFill>
-                        <a:srgbClr val="FFFFFF"/>
-                      </a:solidFill>
-                      <a:prstDash val="solid"/>
-                    </a:lnB>
-                    <a:solidFill>
-                      <a:srgbClr val="E8E8F6"/>
-                    </a:solidFill>
-                  </a:tcPr>
-                </a:tc>
-                <a:tc>
-                  <a:txBody>
-                    <a:bodyPr/>
-                    <a:lstStyle/>
-                    <a:p>
-                      <a:pPr algn="ctr"/>
-                      <a:endParaRPr sz="2000" dirty="0">
-                        <a:latin typeface="+mn-lt"/>
-                        <a:cs typeface="Times New Roman"/>
-                      </a:endParaRPr>
-                    </a:p>
-                  </a:txBody>
-                  <a:tcPr marL="0" marR="0" marT="0" marB="0" anchor="ctr">
-                    <a:lnL w="12700">
-                      <a:solidFill>
-                        <a:srgbClr val="FFFFFF"/>
-                      </a:solidFill>
-                      <a:prstDash val="solid"/>
-                    </a:lnL>
-                    <a:lnR w="12700">
-                      <a:solidFill>
-                        <a:srgbClr val="FFFFFF"/>
-                      </a:solidFill>
-                      <a:prstDash val="solid"/>
-                    </a:lnR>
-                    <a:lnT w="12700" cap="flat" cmpd="sng" algn="ctr">
-                      <a:solidFill>
-                        <a:srgbClr val="FFFFFF"/>
-                      </a:solidFill>
-                      <a:prstDash val="solid"/>
-                      <a:round/>
-                      <a:headEnd type="none" w="med" len="med"/>
-                      <a:tailEnd type="none" w="med" len="med"/>
-                    </a:lnT>
-                    <a:lnB w="12700">
-                      <a:solidFill>
-                        <a:srgbClr val="FFFFFF"/>
-                      </a:solidFill>
-                      <a:prstDash val="solid"/>
-                    </a:lnB>
-                    <a:solidFill>
-                      <a:srgbClr val="E8E8F6"/>
-                    </a:solidFill>
-                  </a:tcPr>
-                </a:tc>
-                <a:tc>
-                  <a:txBody>
-                    <a:bodyPr/>
-                    <a:lstStyle/>
-                    <a:p>
-                      <a:pPr algn="ctr"/>
-                      <a:endParaRPr sz="2000" dirty="0">
-                        <a:latin typeface="+mn-lt"/>
-                        <a:cs typeface="Times New Roman"/>
-                      </a:endParaRPr>
-                    </a:p>
-                  </a:txBody>
-                  <a:tcPr marL="0" marR="0" marT="0" marB="0" anchor="ctr">
-                    <a:lnL w="12700">
-                      <a:solidFill>
-                        <a:srgbClr val="FFFFFF"/>
-                      </a:solidFill>
-                      <a:prstDash val="solid"/>
-                    </a:lnL>
-                    <a:lnR w="12700">
-                      <a:solidFill>
-                        <a:srgbClr val="FFFFFF"/>
-                      </a:solidFill>
-                      <a:prstDash val="solid"/>
-                    </a:lnR>
-                    <a:lnT w="12700" cap="flat" cmpd="sng" algn="ctr">
-                      <a:solidFill>
-                        <a:srgbClr val="FFFFFF"/>
-                      </a:solidFill>
-                      <a:prstDash val="solid"/>
-                      <a:round/>
-                      <a:headEnd type="none" w="med" len="med"/>
-                      <a:tailEnd type="none" w="med" len="med"/>
-                    </a:lnT>
-                    <a:lnB w="12700">
-                      <a:solidFill>
-                        <a:srgbClr val="FFFFFF"/>
-                      </a:solidFill>
-                      <a:prstDash val="solid"/>
-                    </a:lnB>
-                    <a:solidFill>
-                      <a:srgbClr val="E8E8F6"/>
-                    </a:solidFill>
-                  </a:tcPr>
-                </a:tc>
-                <a:extLst>
-                  <a:ext uri="{0D108BD9-81ED-4DB2-BD59-A6C34878D82A}">
-                    <a16:rowId xmlns:a16="http://schemas.microsoft.com/office/drawing/2014/main" val="10002"/>
-                  </a:ext>
-                </a:extLst>
-              </a:tr>
-              <a:tr h="460723">
-                <a:tc>
-                  <a:txBody>
-                    <a:bodyPr/>
-                    <a:lstStyle/>
-                    <a:p>
-                      <a:pPr marL="85090" algn="ctr">
-                        <a:lnSpc>
-                          <a:spcPct val="100000"/>
-                        </a:lnSpc>
-                        <a:tabLst>
-                          <a:tab pos="1608455" algn="l"/>
-                          <a:tab pos="1844675" algn="l"/>
-                        </a:tabLst>
-                      </a:pPr>
-                      <a:r>
-                        <a:rPr sz="2400" spc="-5" dirty="0">
-                          <a:latin typeface="+mn-lt"/>
-                          <a:cs typeface="Times New Roman"/>
-                        </a:rPr>
-                        <a:t>145</a:t>
-                      </a:r>
-                      <a:r>
-                        <a:rPr sz="2400" dirty="0">
-                          <a:latin typeface="+mn-lt"/>
-                          <a:cs typeface="Times New Roman"/>
-                        </a:rPr>
-                        <a:t>.</a:t>
-                      </a:r>
-                      <a:r>
-                        <a:rPr sz="2400" spc="-5" dirty="0">
-                          <a:latin typeface="+mn-lt"/>
-                          <a:cs typeface="Times New Roman"/>
-                        </a:rPr>
-                        <a:t> 0</a:t>
-                      </a:r>
-                      <a:r>
-                        <a:rPr sz="2400" dirty="0">
-                          <a:latin typeface="+mn-lt"/>
-                          <a:cs typeface="Times New Roman"/>
-                        </a:rPr>
-                        <a:t>.</a:t>
-                      </a:r>
-                      <a:r>
-                        <a:rPr sz="2400" spc="-5" dirty="0">
-                          <a:latin typeface="+mn-lt"/>
-                          <a:cs typeface="Times New Roman"/>
-                        </a:rPr>
-                        <a:t> 0</a:t>
-                      </a:r>
-                      <a:r>
-                        <a:rPr sz="2400" dirty="0">
-                          <a:latin typeface="+mn-lt"/>
-                          <a:cs typeface="Times New Roman"/>
-                        </a:rPr>
-                        <a:t>.</a:t>
-                      </a:r>
-                      <a:r>
-                        <a:rPr sz="2400" spc="-5" dirty="0">
-                          <a:latin typeface="+mn-lt"/>
-                          <a:cs typeface="Times New Roman"/>
-                        </a:rPr>
-                        <a:t> </a:t>
-                      </a:r>
-                      <a:r>
-                        <a:rPr sz="2400" dirty="0">
-                          <a:latin typeface="+mn-lt"/>
-                          <a:cs typeface="Times New Roman"/>
-                        </a:rPr>
-                        <a:t>0	/	</a:t>
-                      </a:r>
-                      <a:r>
-                        <a:rPr sz="2400" spc="-5" dirty="0">
-                          <a:latin typeface="+mn-lt"/>
-                          <a:cs typeface="Times New Roman"/>
-                        </a:rPr>
-                        <a:t>22</a:t>
-                      </a:r>
-                      <a:endParaRPr sz="2400" dirty="0">
-                        <a:latin typeface="+mn-lt"/>
-                        <a:cs typeface="Times New Roman"/>
-                      </a:endParaRPr>
-                    </a:p>
-                  </a:txBody>
-                  <a:tcPr marL="0" marR="0" marT="0" marB="0" anchor="ctr">
-                    <a:lnL w="12700">
-                      <a:solidFill>
-                        <a:srgbClr val="FFFFFF"/>
-                      </a:solidFill>
-                      <a:prstDash val="solid"/>
-                    </a:lnL>
-                    <a:lnR w="12700">
-                      <a:solidFill>
-                        <a:srgbClr val="FFFFFF"/>
-                      </a:solidFill>
-                      <a:prstDash val="solid"/>
-                    </a:lnR>
-                    <a:lnT w="12700">
-                      <a:solidFill>
-                        <a:srgbClr val="FFFFFF"/>
-                      </a:solidFill>
-                      <a:prstDash val="solid"/>
-                    </a:lnT>
-                    <a:lnB w="12700">
-                      <a:solidFill>
-                        <a:srgbClr val="FFFFFF"/>
-                      </a:solidFill>
-                      <a:prstDash val="solid"/>
-                    </a:lnB>
-                    <a:solidFill>
-                      <a:srgbClr val="CDCDEB"/>
-                    </a:solidFill>
-                  </a:tcPr>
-                </a:tc>
-                <a:tc>
-                  <a:txBody>
-                    <a:bodyPr/>
-                    <a:lstStyle/>
-                    <a:p>
-                      <a:pPr algn="ctr"/>
-                      <a:endParaRPr lang="es-ES" sz="2000" dirty="0">
-                        <a:latin typeface="+mn-lt"/>
-                        <a:cs typeface="Times New Roman"/>
-                      </a:endParaRPr>
-                    </a:p>
-                    <a:p>
-                      <a:pPr algn="ctr"/>
-                      <a:endParaRPr sz="2000" dirty="0">
-                        <a:latin typeface="+mn-lt"/>
-                        <a:cs typeface="Times New Roman"/>
-                      </a:endParaRPr>
-                    </a:p>
-                  </a:txBody>
-                  <a:tcPr marL="0" marR="0" marT="0" marB="0" anchor="ctr">
-                    <a:lnL w="12700">
-                      <a:solidFill>
-                        <a:srgbClr val="FFFFFF"/>
-                      </a:solidFill>
-                      <a:prstDash val="solid"/>
-                    </a:lnL>
-                    <a:lnR w="12700">
-                      <a:solidFill>
-                        <a:srgbClr val="FFFFFF"/>
-                      </a:solidFill>
-                      <a:prstDash val="solid"/>
-                    </a:lnR>
-                    <a:lnT w="12700">
-                      <a:solidFill>
-                        <a:srgbClr val="FFFFFF"/>
-                      </a:solidFill>
-                      <a:prstDash val="solid"/>
-                    </a:lnT>
-                    <a:lnB w="12700">
-                      <a:solidFill>
-                        <a:srgbClr val="FFFFFF"/>
-                      </a:solidFill>
-                      <a:prstDash val="solid"/>
-                    </a:lnB>
-                    <a:solidFill>
-                      <a:srgbClr val="CDCDEB"/>
-                    </a:solidFill>
-                  </a:tcPr>
-                </a:tc>
-                <a:tc>
-                  <a:txBody>
-                    <a:bodyPr/>
-                    <a:lstStyle/>
-                    <a:p>
-                      <a:pPr algn="ctr"/>
-                      <a:endParaRPr sz="2000" dirty="0">
-                        <a:latin typeface="+mn-lt"/>
-                        <a:cs typeface="Times New Roman"/>
-                      </a:endParaRPr>
-                    </a:p>
-                  </a:txBody>
-                  <a:tcPr marL="0" marR="0" marT="0" marB="0" anchor="ctr">
-                    <a:lnL w="12700">
-                      <a:solidFill>
-                        <a:srgbClr val="FFFFFF"/>
-                      </a:solidFill>
-                      <a:prstDash val="solid"/>
-                    </a:lnL>
-                    <a:lnR w="12700">
-                      <a:solidFill>
-                        <a:srgbClr val="FFFFFF"/>
-                      </a:solidFill>
-                      <a:prstDash val="solid"/>
-                    </a:lnR>
-                    <a:lnT w="12700">
-                      <a:solidFill>
-                        <a:srgbClr val="FFFFFF"/>
-                      </a:solidFill>
-                      <a:prstDash val="solid"/>
-                    </a:lnT>
-                    <a:lnB w="12700">
-                      <a:solidFill>
-                        <a:srgbClr val="FFFFFF"/>
-                      </a:solidFill>
-                      <a:prstDash val="solid"/>
-                    </a:lnB>
-                    <a:solidFill>
-                      <a:srgbClr val="CDCDEB"/>
-                    </a:solidFill>
-                  </a:tcPr>
-                </a:tc>
-                <a:tc>
-                  <a:txBody>
-                    <a:bodyPr/>
-                    <a:lstStyle/>
-                    <a:p>
-                      <a:pPr algn="ctr"/>
-                      <a:endParaRPr sz="2000" b="1" dirty="0">
-                        <a:latin typeface="+mn-lt"/>
-                        <a:cs typeface="Times New Roman"/>
-                      </a:endParaRPr>
-                    </a:p>
-                  </a:txBody>
-                  <a:tcPr marL="0" marR="0" marT="0" marB="0" anchor="ctr">
-                    <a:lnL w="12700">
-                      <a:solidFill>
-                        <a:srgbClr val="FFFFFF"/>
-                      </a:solidFill>
-                      <a:prstDash val="solid"/>
-                    </a:lnL>
-                    <a:lnR w="12700">
-                      <a:solidFill>
-                        <a:srgbClr val="FFFFFF"/>
-                      </a:solidFill>
-                      <a:prstDash val="solid"/>
-                    </a:lnR>
-                    <a:lnT w="12700">
-                      <a:solidFill>
-                        <a:srgbClr val="FFFFFF"/>
-                      </a:solidFill>
-                      <a:prstDash val="solid"/>
-                    </a:lnT>
-                    <a:lnB w="12700">
-                      <a:solidFill>
-                        <a:srgbClr val="FFFFFF"/>
-                      </a:solidFill>
-                      <a:prstDash val="solid"/>
-                    </a:lnB>
-                    <a:solidFill>
-                      <a:srgbClr val="CDCDEB"/>
-                    </a:solidFill>
-                  </a:tcPr>
-                </a:tc>
-                <a:extLst>
-                  <a:ext uri="{0D108BD9-81ED-4DB2-BD59-A6C34878D82A}">
-                    <a16:rowId xmlns:a16="http://schemas.microsoft.com/office/drawing/2014/main" val="10003"/>
-                  </a:ext>
-                </a:extLst>
-              </a:tr>
-              <a:tr h="460978">
-                <a:tc>
-                  <a:txBody>
-                    <a:bodyPr/>
-                    <a:lstStyle/>
-                    <a:p>
-                      <a:pPr marL="85090" algn="ctr">
-                        <a:lnSpc>
-                          <a:spcPct val="100000"/>
-                        </a:lnSpc>
-                        <a:tabLst>
-                          <a:tab pos="1456690" algn="l"/>
-                          <a:tab pos="1692910" algn="l"/>
-                        </a:tabLst>
-                      </a:pPr>
-                      <a:r>
-                        <a:rPr sz="2400" dirty="0">
-                          <a:latin typeface="+mn-lt"/>
-                          <a:cs typeface="Times New Roman"/>
-                        </a:rPr>
-                        <a:t>10. 0. 0. 0	/	13</a:t>
-                      </a:r>
-                    </a:p>
-                  </a:txBody>
-                  <a:tcPr marL="0" marR="0" marT="0" marB="0" anchor="ctr">
-                    <a:lnL w="12700">
-                      <a:solidFill>
-                        <a:srgbClr val="FFFFFF"/>
-                      </a:solidFill>
-                      <a:prstDash val="solid"/>
-                    </a:lnL>
-                    <a:lnR w="12700">
-                      <a:solidFill>
-                        <a:srgbClr val="FFFFFF"/>
-                      </a:solidFill>
-                      <a:prstDash val="solid"/>
-                    </a:lnR>
-                    <a:lnT w="12700">
-                      <a:solidFill>
-                        <a:srgbClr val="FFFFFF"/>
-                      </a:solidFill>
-                      <a:prstDash val="solid"/>
-                    </a:lnT>
-                    <a:lnB w="12700">
-                      <a:solidFill>
-                        <a:srgbClr val="FFFFFF"/>
-                      </a:solidFill>
-                      <a:prstDash val="solid"/>
-                    </a:lnB>
-                    <a:solidFill>
-                      <a:srgbClr val="E8E8F6"/>
-                    </a:solidFill>
-                  </a:tcPr>
-                </a:tc>
-                <a:tc>
-                  <a:txBody>
-                    <a:bodyPr/>
-                    <a:lstStyle/>
-                    <a:p>
-                      <a:pPr algn="ctr"/>
-                      <a:endParaRPr lang="es-ES" sz="2000" dirty="0">
-                        <a:latin typeface="+mn-lt"/>
-                        <a:cs typeface="Times New Roman"/>
-                      </a:endParaRPr>
-                    </a:p>
-                    <a:p>
-                      <a:pPr algn="ctr"/>
-                      <a:endParaRPr sz="2000" dirty="0">
-                        <a:latin typeface="+mn-lt"/>
-                        <a:cs typeface="Times New Roman"/>
-                      </a:endParaRPr>
-                    </a:p>
-                  </a:txBody>
-                  <a:tcPr marL="0" marR="0" marT="0" marB="0" anchor="ctr">
-                    <a:lnL w="12700">
-                      <a:solidFill>
-                        <a:srgbClr val="FFFFFF"/>
-                      </a:solidFill>
-                      <a:prstDash val="solid"/>
-                    </a:lnL>
-                    <a:lnR w="12700">
-                      <a:solidFill>
-                        <a:srgbClr val="FFFFFF"/>
-                      </a:solidFill>
-                      <a:prstDash val="solid"/>
-                    </a:lnR>
-                    <a:lnT w="12700">
-                      <a:solidFill>
-                        <a:srgbClr val="FFFFFF"/>
-                      </a:solidFill>
-                      <a:prstDash val="solid"/>
-                    </a:lnT>
-                    <a:lnB w="12700">
-                      <a:solidFill>
-                        <a:srgbClr val="FFFFFF"/>
-                      </a:solidFill>
-                      <a:prstDash val="solid"/>
-                    </a:lnB>
-                    <a:solidFill>
-                      <a:srgbClr val="E8E8F6"/>
-                    </a:solidFill>
-                  </a:tcPr>
-                </a:tc>
-                <a:tc>
-                  <a:txBody>
-                    <a:bodyPr/>
-                    <a:lstStyle/>
-                    <a:p>
-                      <a:pPr algn="ctr"/>
-                      <a:endParaRPr sz="2000" dirty="0">
-                        <a:latin typeface="+mn-lt"/>
-                        <a:cs typeface="Times New Roman"/>
-                      </a:endParaRPr>
-                    </a:p>
-                  </a:txBody>
-                  <a:tcPr marL="0" marR="0" marT="0" marB="0" anchor="ctr">
-                    <a:lnL w="12700">
-                      <a:solidFill>
-                        <a:srgbClr val="FFFFFF"/>
-                      </a:solidFill>
-                      <a:prstDash val="solid"/>
-                    </a:lnL>
-                    <a:lnR w="12700">
-                      <a:solidFill>
-                        <a:srgbClr val="FFFFFF"/>
-                      </a:solidFill>
-                      <a:prstDash val="solid"/>
-                    </a:lnR>
-                    <a:lnT w="12700">
-                      <a:solidFill>
-                        <a:srgbClr val="FFFFFF"/>
-                      </a:solidFill>
-                      <a:prstDash val="solid"/>
-                    </a:lnT>
-                    <a:lnB w="12700">
-                      <a:solidFill>
-                        <a:srgbClr val="FFFFFF"/>
-                      </a:solidFill>
-                      <a:prstDash val="solid"/>
-                    </a:lnB>
-                    <a:solidFill>
-                      <a:srgbClr val="E8E8F6"/>
-                    </a:solidFill>
-                  </a:tcPr>
-                </a:tc>
-                <a:tc>
-                  <a:txBody>
-                    <a:bodyPr/>
-                    <a:lstStyle/>
-                    <a:p>
-                      <a:pPr algn="ctr"/>
-                      <a:endParaRPr sz="2000" b="1" dirty="0">
-                        <a:latin typeface="+mn-lt"/>
-                        <a:cs typeface="Times New Roman"/>
-                      </a:endParaRPr>
-                    </a:p>
-                  </a:txBody>
-                  <a:tcPr marL="0" marR="0" marT="0" marB="0" anchor="ctr">
-                    <a:lnL w="12700">
-                      <a:solidFill>
-                        <a:srgbClr val="FFFFFF"/>
-                      </a:solidFill>
-                      <a:prstDash val="solid"/>
-                    </a:lnL>
-                    <a:lnR w="12700">
-                      <a:solidFill>
-                        <a:srgbClr val="FFFFFF"/>
-                      </a:solidFill>
-                      <a:prstDash val="solid"/>
-                    </a:lnR>
-                    <a:lnT w="12700">
-                      <a:solidFill>
-                        <a:srgbClr val="FFFFFF"/>
-                      </a:solidFill>
-                      <a:prstDash val="solid"/>
-                    </a:lnT>
-                    <a:lnB w="12700">
-                      <a:solidFill>
-                        <a:srgbClr val="FFFFFF"/>
-                      </a:solidFill>
-                      <a:prstDash val="solid"/>
-                    </a:lnB>
-                    <a:solidFill>
-                      <a:srgbClr val="E8E8F6"/>
-                    </a:solidFill>
-                  </a:tcPr>
-                </a:tc>
-                <a:extLst>
-                  <a:ext uri="{0D108BD9-81ED-4DB2-BD59-A6C34878D82A}">
-                    <a16:rowId xmlns:a16="http://schemas.microsoft.com/office/drawing/2014/main" val="10004"/>
-                  </a:ext>
-                </a:extLst>
-              </a:tr>
-            </a:tbl>
-          </a:graphicData>
-        </a:graphic>
-      </p:graphicFrame>
-      <p:sp>
-        <p:nvSpPr>
-          <p:cNvPr id="8" name="Rectangle 2">
-            <a:extLst>
-              <a:ext uri="{FF2B5EF4-FFF2-40B4-BE49-F238E27FC236}">
-                <a16:creationId xmlns:a16="http://schemas.microsoft.com/office/drawing/2014/main" id="{9421923F-0621-4DC4-B128-DCFD643E555F}"/>
-              </a:ext>
-            </a:extLst>
-          </p:cNvPr>
-          <p:cNvSpPr txBox="1">
-            <a:spLocks noChangeArrowheads="1"/>
-          </p:cNvSpPr>
-          <p:nvPr/>
-        </p:nvSpPr>
-        <p:spPr>
-          <a:xfrm>
-            <a:off x="72008" y="53752"/>
-            <a:ext cx="8964488" cy="1143000"/>
-          </a:xfrm>
-          <a:prstGeom prst="rect">
-            <a:avLst/>
-          </a:prstGeom>
-        </p:spPr>
-        <p:txBody>
-          <a:bodyPr vert="horz" lIns="92075" tIns="46038" rIns="92075" bIns="46038" rtlCol="0" anchor="ctr">
-            <a:noAutofit/>
-          </a:bodyPr>
-          <a:lstStyle>
-            <a:lvl1pPr algn="ctr" defTabSz="914400" rtl="0" eaLnBrk="1" latinLnBrk="0" hangingPunct="1">
-              <a:spcBef>
-                <a:spcPct val="0"/>
-              </a:spcBef>
-              <a:buNone/>
-              <a:defRPr sz="4400" kern="1200">
-                <a:solidFill>
-                  <a:schemeClr val="tx1"/>
-                </a:solidFill>
-                <a:latin typeface="+mj-lt"/>
-                <a:ea typeface="+mj-ea"/>
-                <a:cs typeface="+mj-cs"/>
-              </a:defRPr>
-            </a:lvl1pPr>
-          </a:lstStyle>
-          <a:p>
-            <a:pPr>
-              <a:defRPr/>
-            </a:pPr>
-            <a:r>
-              <a:rPr lang="es-ES_tradnl" sz="3200" dirty="0">
-                <a:solidFill>
-                  <a:srgbClr val="3333CC"/>
-                </a:solidFill>
-                <a:effectLst>
-                  <a:outerShdw blurRad="38100" dist="38100" dir="2700000" algn="tl">
-                    <a:srgbClr val="C0C0C0"/>
-                  </a:outerShdw>
-                </a:effectLst>
-                <a:latin typeface="Dom Casual" charset="0"/>
-              </a:rPr>
-              <a:t> </a:t>
-            </a:r>
-            <a:r>
-              <a:rPr lang="es-ES_tradnl" sz="3200" b="1" dirty="0">
-                <a:solidFill>
-                  <a:schemeClr val="accent4">
-                    <a:lumMod val="50000"/>
-                  </a:schemeClr>
-                </a:solidFill>
-                <a:effectLst>
-                  <a:outerShdw blurRad="38100" dist="38100" dir="2700000" algn="tl">
-                    <a:srgbClr val="C0C0C0"/>
-                  </a:outerShdw>
-                </a:effectLst>
-                <a:latin typeface="Dom Casual" charset="0"/>
-              </a:rPr>
-              <a:t>Ejercicio de creación de máscaras</a:t>
-            </a:r>
-          </a:p>
-          <a:p>
-            <a:pPr>
-              <a:defRPr/>
-            </a:pPr>
-            <a:r>
-              <a:rPr lang="es-ES_tradnl" sz="2400" b="1" dirty="0">
-                <a:solidFill>
-                  <a:schemeClr val="accent6">
-                    <a:lumMod val="75000"/>
-                  </a:schemeClr>
-                </a:solidFill>
-                <a:effectLst>
-                  <a:outerShdw blurRad="38100" dist="38100" dir="2700000" algn="tl">
-                    <a:srgbClr val="C0C0C0"/>
-                  </a:outerShdw>
-                </a:effectLst>
-                <a:latin typeface="Dom Casual" charset="0"/>
-              </a:rPr>
-              <a:t>Método base 10</a:t>
-            </a:r>
-            <a:endParaRPr lang="es-ES_tradnl" sz="2400" b="1" dirty="0">
-              <a:solidFill>
-                <a:schemeClr val="accent4">
-                  <a:lumMod val="50000"/>
-                </a:schemeClr>
-              </a:solidFill>
-              <a:effectLst>
-                <a:outerShdw blurRad="38100" dist="38100" dir="2700000" algn="tl">
-                  <a:srgbClr val="C0C0C0"/>
-                </a:outerShdw>
-              </a:effectLst>
-              <a:latin typeface="Dom Casual" charset="0"/>
-            </a:endParaRPr>
-          </a:p>
-        </p:txBody>
-      </p:sp>
-      <p:sp>
-        <p:nvSpPr>
-          <p:cNvPr id="7" name="object 4">
-            <a:extLst>
-              <a:ext uri="{FF2B5EF4-FFF2-40B4-BE49-F238E27FC236}">
-                <a16:creationId xmlns:a16="http://schemas.microsoft.com/office/drawing/2014/main" id="{3DE2CB4B-0D45-410C-A6EE-CE00E3D7F648}"/>
-              </a:ext>
-            </a:extLst>
-          </p:cNvPr>
-          <p:cNvSpPr txBox="1"/>
-          <p:nvPr/>
-        </p:nvSpPr>
-        <p:spPr>
-          <a:xfrm>
-            <a:off x="500826" y="1256604"/>
-            <a:ext cx="7769225" cy="615553"/>
-          </a:xfrm>
-          <a:prstGeom prst="rect">
-            <a:avLst/>
-          </a:prstGeom>
-        </p:spPr>
-        <p:txBody>
-          <a:bodyPr vert="horz" wrap="square" lIns="0" tIns="0" rIns="0" bIns="0" rtlCol="0">
-            <a:spAutoFit/>
-          </a:bodyPr>
-          <a:lstStyle/>
-          <a:p>
-            <a:pPr marL="12700" marR="5080" algn="just">
-              <a:lnSpc>
-                <a:spcPct val="100000"/>
-              </a:lnSpc>
-            </a:pPr>
-            <a:r>
-              <a:rPr sz="2000" dirty="0">
-                <a:cs typeface="Times New Roman"/>
-              </a:rPr>
-              <a:t>Con </a:t>
-            </a:r>
-            <a:r>
-              <a:rPr sz="2000" spc="105" dirty="0">
-                <a:cs typeface="Times New Roman"/>
-              </a:rPr>
-              <a:t> </a:t>
-            </a:r>
-            <a:r>
-              <a:rPr sz="2000" dirty="0">
-                <a:cs typeface="Times New Roman"/>
-              </a:rPr>
-              <a:t>base </a:t>
-            </a:r>
-            <a:r>
-              <a:rPr sz="2000" spc="114" dirty="0">
-                <a:cs typeface="Times New Roman"/>
-              </a:rPr>
-              <a:t> </a:t>
-            </a:r>
-            <a:r>
-              <a:rPr sz="2000" spc="-10" dirty="0">
-                <a:cs typeface="Times New Roman"/>
-              </a:rPr>
-              <a:t>e</a:t>
-            </a:r>
-            <a:r>
-              <a:rPr sz="2000" dirty="0">
-                <a:cs typeface="Times New Roman"/>
-              </a:rPr>
-              <a:t>n </a:t>
-            </a:r>
-            <a:r>
-              <a:rPr sz="2000" spc="105" dirty="0">
-                <a:cs typeface="Times New Roman"/>
-              </a:rPr>
-              <a:t> </a:t>
-            </a:r>
-            <a:r>
-              <a:rPr sz="2000" dirty="0">
-                <a:cs typeface="Times New Roman"/>
-              </a:rPr>
-              <a:t>la </a:t>
-            </a:r>
-            <a:r>
-              <a:rPr sz="2000" spc="95" dirty="0">
-                <a:cs typeface="Times New Roman"/>
-              </a:rPr>
-              <a:t> </a:t>
-            </a:r>
-            <a:r>
-              <a:rPr sz="2000" dirty="0">
-                <a:cs typeface="Times New Roman"/>
-              </a:rPr>
-              <a:t>i</a:t>
-            </a:r>
-            <a:r>
-              <a:rPr sz="2000" spc="5" dirty="0">
-                <a:cs typeface="Times New Roman"/>
-              </a:rPr>
-              <a:t>n</a:t>
-            </a:r>
-            <a:r>
-              <a:rPr sz="2000" dirty="0">
-                <a:cs typeface="Times New Roman"/>
-              </a:rPr>
-              <a:t>formación </a:t>
-            </a:r>
-            <a:r>
-              <a:rPr sz="2000" spc="95" dirty="0">
-                <a:cs typeface="Times New Roman"/>
-              </a:rPr>
-              <a:t> </a:t>
-            </a:r>
-            <a:r>
-              <a:rPr sz="2000" dirty="0">
-                <a:cs typeface="Times New Roman"/>
-              </a:rPr>
-              <a:t>de </a:t>
-            </a:r>
-            <a:r>
-              <a:rPr sz="2000" spc="100" dirty="0">
-                <a:cs typeface="Times New Roman"/>
-              </a:rPr>
-              <a:t> </a:t>
-            </a:r>
-            <a:r>
-              <a:rPr sz="2000" dirty="0">
-                <a:cs typeface="Times New Roman"/>
-              </a:rPr>
-              <a:t>la </a:t>
-            </a:r>
-            <a:r>
-              <a:rPr sz="2000" spc="95" dirty="0">
-                <a:cs typeface="Times New Roman"/>
-              </a:rPr>
-              <a:t> </a:t>
-            </a:r>
-            <a:r>
-              <a:rPr sz="2000" dirty="0">
-                <a:cs typeface="Times New Roman"/>
-              </a:rPr>
-              <a:t>IP </a:t>
-            </a:r>
-            <a:r>
-              <a:rPr sz="2000" spc="20" dirty="0">
-                <a:cs typeface="Times New Roman"/>
-              </a:rPr>
-              <a:t> </a:t>
-            </a:r>
-            <a:r>
-              <a:rPr sz="2000" dirty="0">
-                <a:cs typeface="Times New Roman"/>
-              </a:rPr>
-              <a:t>y </a:t>
-            </a:r>
-            <a:r>
-              <a:rPr sz="2000" spc="105" dirty="0">
-                <a:cs typeface="Times New Roman"/>
-              </a:rPr>
-              <a:t> </a:t>
-            </a:r>
-            <a:r>
-              <a:rPr sz="2000" dirty="0">
-                <a:cs typeface="Times New Roman"/>
-              </a:rPr>
-              <a:t>el </a:t>
-            </a:r>
-            <a:r>
-              <a:rPr sz="2000" spc="110" dirty="0">
-                <a:cs typeface="Times New Roman"/>
-              </a:rPr>
-              <a:t> </a:t>
-            </a:r>
-            <a:r>
-              <a:rPr sz="2000" dirty="0">
-                <a:cs typeface="Times New Roman"/>
-              </a:rPr>
-              <a:t>pre</a:t>
-            </a:r>
-            <a:r>
-              <a:rPr sz="2000" spc="-15" dirty="0">
-                <a:cs typeface="Times New Roman"/>
-              </a:rPr>
-              <a:t>f</a:t>
-            </a:r>
-            <a:r>
-              <a:rPr sz="2000" dirty="0">
-                <a:cs typeface="Times New Roman"/>
-              </a:rPr>
-              <a:t>i</a:t>
-            </a:r>
-            <a:r>
-              <a:rPr sz="2000" spc="5" dirty="0">
-                <a:cs typeface="Times New Roman"/>
-              </a:rPr>
-              <a:t>j</a:t>
-            </a:r>
-            <a:r>
-              <a:rPr sz="2000" dirty="0">
-                <a:cs typeface="Times New Roman"/>
-              </a:rPr>
-              <a:t>o </a:t>
-            </a:r>
-            <a:r>
-              <a:rPr sz="2000" spc="110" dirty="0">
-                <a:cs typeface="Times New Roman"/>
-              </a:rPr>
-              <a:t> </a:t>
-            </a:r>
-            <a:r>
-              <a:rPr sz="2000" spc="-15" dirty="0">
-                <a:cs typeface="Times New Roman"/>
-              </a:rPr>
-              <a:t>d</a:t>
-            </a:r>
-            <a:r>
-              <a:rPr sz="2000" dirty="0">
-                <a:cs typeface="Times New Roman"/>
-              </a:rPr>
-              <a:t>e </a:t>
-            </a:r>
-            <a:r>
-              <a:rPr sz="2000" spc="110" dirty="0">
-                <a:cs typeface="Times New Roman"/>
-              </a:rPr>
-              <a:t> </a:t>
-            </a:r>
-            <a:r>
-              <a:rPr sz="2000" dirty="0">
-                <a:cs typeface="Times New Roman"/>
-              </a:rPr>
-              <a:t>red, deter</a:t>
-            </a:r>
-            <a:r>
-              <a:rPr sz="2000" spc="-15" dirty="0">
-                <a:cs typeface="Times New Roman"/>
-              </a:rPr>
-              <a:t>m</a:t>
-            </a:r>
-            <a:r>
-              <a:rPr sz="2000" dirty="0">
-                <a:cs typeface="Times New Roman"/>
-              </a:rPr>
-              <a:t>in</a:t>
-            </a:r>
-            <a:r>
-              <a:rPr sz="2000" spc="-10" dirty="0">
-                <a:cs typeface="Times New Roman"/>
-              </a:rPr>
-              <a:t>a</a:t>
-            </a:r>
-            <a:r>
-              <a:rPr sz="2000" dirty="0">
-                <a:cs typeface="Times New Roman"/>
-              </a:rPr>
-              <a:t>: </a:t>
-            </a:r>
-            <a:r>
-              <a:rPr sz="2000" spc="-225" dirty="0">
-                <a:cs typeface="Times New Roman"/>
-              </a:rPr>
-              <a:t> </a:t>
-            </a:r>
-            <a:r>
-              <a:rPr sz="2000" dirty="0">
-                <a:cs typeface="Times New Roman"/>
-              </a:rPr>
-              <a:t>(a) </a:t>
-            </a:r>
-            <a:r>
-              <a:rPr sz="2000" spc="-229" dirty="0">
-                <a:cs typeface="Times New Roman"/>
-              </a:rPr>
-              <a:t> </a:t>
-            </a:r>
-            <a:r>
-              <a:rPr sz="2000" spc="-10" dirty="0">
-                <a:cs typeface="Times New Roman"/>
-              </a:rPr>
-              <a:t>l</a:t>
-            </a:r>
-            <a:r>
-              <a:rPr sz="2000" dirty="0">
-                <a:cs typeface="Times New Roman"/>
-              </a:rPr>
-              <a:t>a </a:t>
-            </a:r>
-            <a:r>
-              <a:rPr sz="2000" spc="-229" dirty="0">
-                <a:cs typeface="Times New Roman"/>
-              </a:rPr>
-              <a:t> </a:t>
-            </a:r>
-            <a:r>
-              <a:rPr sz="2000" dirty="0">
-                <a:cs typeface="Times New Roman"/>
-              </a:rPr>
-              <a:t>po</a:t>
-            </a:r>
-            <a:r>
-              <a:rPr sz="2000" spc="5" dirty="0">
-                <a:cs typeface="Times New Roman"/>
-              </a:rPr>
-              <a:t>s</a:t>
-            </a:r>
-            <a:r>
-              <a:rPr sz="2000" dirty="0">
-                <a:cs typeface="Times New Roman"/>
-              </a:rPr>
-              <a:t>ición </a:t>
-            </a:r>
-            <a:r>
-              <a:rPr sz="2000" spc="-245" dirty="0">
-                <a:cs typeface="Times New Roman"/>
-              </a:rPr>
-              <a:t> </a:t>
-            </a:r>
-            <a:r>
-              <a:rPr sz="2000" dirty="0">
-                <a:cs typeface="Times New Roman"/>
-              </a:rPr>
-              <a:t>del </a:t>
-            </a:r>
-            <a:r>
-              <a:rPr sz="2000" spc="-225" dirty="0">
-                <a:cs typeface="Times New Roman"/>
-              </a:rPr>
-              <a:t> </a:t>
-            </a:r>
-            <a:r>
-              <a:rPr sz="2000" b="1" spc="-5" dirty="0">
-                <a:cs typeface="Times New Roman"/>
-              </a:rPr>
-              <a:t>BC</a:t>
-            </a:r>
-            <a:r>
-              <a:rPr sz="2000" dirty="0">
-                <a:cs typeface="Times New Roman"/>
-              </a:rPr>
-              <a:t>, </a:t>
-            </a:r>
-            <a:r>
-              <a:rPr sz="2000" spc="-220" dirty="0">
-                <a:cs typeface="Times New Roman"/>
-              </a:rPr>
-              <a:t> </a:t>
-            </a:r>
-            <a:r>
-              <a:rPr sz="2000" dirty="0">
-                <a:cs typeface="Times New Roman"/>
-              </a:rPr>
-              <a:t>(b) </a:t>
-            </a:r>
-            <a:r>
-              <a:rPr sz="2000" spc="-220" dirty="0">
-                <a:cs typeface="Times New Roman"/>
-              </a:rPr>
-              <a:t> </a:t>
-            </a:r>
-            <a:r>
-              <a:rPr sz="2000" spc="-10" dirty="0">
-                <a:cs typeface="Times New Roman"/>
-              </a:rPr>
-              <a:t>e</a:t>
-            </a:r>
-            <a:r>
-              <a:rPr sz="2000" dirty="0">
-                <a:cs typeface="Times New Roman"/>
-              </a:rPr>
-              <a:t>l </a:t>
-            </a:r>
-            <a:r>
-              <a:rPr sz="2000" spc="-225" dirty="0">
-                <a:cs typeface="Times New Roman"/>
-              </a:rPr>
-              <a:t> </a:t>
-            </a:r>
-            <a:r>
-              <a:rPr sz="2000" dirty="0">
-                <a:cs typeface="Times New Roman"/>
-              </a:rPr>
-              <a:t>valor </a:t>
-            </a:r>
-            <a:r>
-              <a:rPr sz="2000" spc="-240" dirty="0">
-                <a:cs typeface="Times New Roman"/>
-              </a:rPr>
-              <a:t> </a:t>
-            </a:r>
-            <a:r>
-              <a:rPr sz="2000" dirty="0">
-                <a:cs typeface="Times New Roman"/>
-              </a:rPr>
-              <a:t>de </a:t>
-            </a:r>
-            <a:r>
-              <a:rPr sz="2000" spc="-225" dirty="0">
-                <a:cs typeface="Times New Roman"/>
-              </a:rPr>
-              <a:t> </a:t>
-            </a:r>
-            <a:r>
-              <a:rPr sz="2000" b="1" dirty="0">
-                <a:cs typeface="Times New Roman"/>
-              </a:rPr>
-              <a:t>k </a:t>
-            </a:r>
-            <a:r>
-              <a:rPr sz="2000" b="1" spc="-220" dirty="0">
-                <a:cs typeface="Times New Roman"/>
-              </a:rPr>
-              <a:t> </a:t>
-            </a:r>
-            <a:r>
-              <a:rPr sz="2000" dirty="0">
-                <a:cs typeface="Times New Roman"/>
-              </a:rPr>
-              <a:t>y </a:t>
-            </a:r>
-            <a:r>
-              <a:rPr sz="2000" spc="-229" dirty="0">
-                <a:cs typeface="Times New Roman"/>
-              </a:rPr>
-              <a:t> </a:t>
-            </a:r>
-            <a:r>
-              <a:rPr sz="2000" dirty="0">
-                <a:cs typeface="Times New Roman"/>
-              </a:rPr>
-              <a:t>(c) </a:t>
-            </a:r>
-            <a:r>
-              <a:rPr sz="2000" spc="-220" dirty="0">
-                <a:cs typeface="Times New Roman"/>
-              </a:rPr>
-              <a:t> </a:t>
-            </a:r>
-            <a:r>
-              <a:rPr sz="2000" dirty="0">
-                <a:cs typeface="Times New Roman"/>
-              </a:rPr>
-              <a:t>la </a:t>
-            </a:r>
-            <a:r>
-              <a:rPr sz="2000" spc="-20" dirty="0">
-                <a:cs typeface="Times New Roman"/>
-              </a:rPr>
-              <a:t>m</a:t>
-            </a:r>
-            <a:r>
-              <a:rPr lang="es-ES" sz="2000" spc="-20" dirty="0">
-                <a:cs typeface="Times New Roman"/>
-              </a:rPr>
-              <a:t>á</a:t>
-            </a:r>
-            <a:r>
-              <a:rPr sz="2000" dirty="0">
-                <a:cs typeface="Times New Roman"/>
-              </a:rPr>
-              <a:t>sc</a:t>
-            </a:r>
-            <a:r>
-              <a:rPr sz="2000" spc="5" dirty="0">
-                <a:cs typeface="Times New Roman"/>
-              </a:rPr>
-              <a:t>a</a:t>
-            </a:r>
-            <a:r>
-              <a:rPr sz="2000" dirty="0">
-                <a:cs typeface="Times New Roman"/>
-              </a:rPr>
-              <a:t>r</a:t>
-            </a:r>
-            <a:r>
-              <a:rPr lang="es-ES" sz="2000" dirty="0">
-                <a:cs typeface="Times New Roman"/>
-              </a:rPr>
-              <a:t>a</a:t>
-            </a:r>
-            <a:r>
-              <a:rPr sz="2000" spc="-5" dirty="0">
-                <a:cs typeface="Times New Roman"/>
-              </a:rPr>
-              <a:t> </a:t>
-            </a:r>
-            <a:r>
-              <a:rPr sz="2000" dirty="0">
-                <a:cs typeface="Times New Roman"/>
-              </a:rPr>
-              <a:t>de subre</a:t>
-            </a:r>
-            <a:r>
-              <a:rPr sz="2000" spc="5" dirty="0">
-                <a:cs typeface="Times New Roman"/>
-              </a:rPr>
-              <a:t>d</a:t>
-            </a:r>
-            <a:r>
-              <a:rPr sz="2000" dirty="0">
-                <a:cs typeface="Times New Roman"/>
-              </a:rPr>
-              <a:t>.</a:t>
-            </a:r>
-          </a:p>
-        </p:txBody>
-      </p:sp>
-    </p:spTree>
-    <p:extLst>
-      <p:ext uri="{BB962C8B-B14F-4D97-AF65-F5344CB8AC3E}">
-        <p14:creationId xmlns:p14="http://schemas.microsoft.com/office/powerpoint/2010/main" val="3039790346"/>
-      </p:ext>
-    </p:extLst>
-  </p:cSld>
-  <p:clrMapOvr>
-    <a:masterClrMapping/>
-  </p:clrMapOvr>
-</p:sld>
-</file>
-
-<file path=ppt/slides/slide5.xml><?xml version="1.0" encoding="utf-8"?>
-<p:sld xmlns:a="http://schemas.openxmlformats.org/drawingml/2006/main" xmlns:r="http://schemas.openxmlformats.org/officeDocument/2006/relationships" xmlns:p="http://schemas.openxmlformats.org/presentationml/2006/main">
-  <p:cSld>
-    <p:spTree>
-      <p:nvGrpSpPr>
-        <p:cNvPr id="1" name=""/>
-        <p:cNvGrpSpPr/>
-        <p:nvPr/>
-      </p:nvGrpSpPr>
-      <p:grpSpPr>
-        <a:xfrm>
-          <a:off x="0" y="0"/>
-          <a:ext cx="0" cy="0"/>
-          <a:chOff x="0" y="0"/>
-          <a:chExt cx="0" cy="0"/>
-        </a:xfrm>
-      </p:grpSpPr>
-      <p:sp>
-        <p:nvSpPr>
           <p:cNvPr id="2" name="object 2"/>
           <p:cNvSpPr txBox="1">
             <a:spLocks noGrp="1"/>
@@ -11698,7 +10005,7 @@
 </p:sld>
 </file>
 
-<file path=ppt/slides/slide6.xml><?xml version="1.0" encoding="utf-8"?>
+<file path=ppt/slides/slide5.xml><?xml version="1.0" encoding="utf-8"?>
 <p:sld xmlns:a="http://schemas.openxmlformats.org/drawingml/2006/main" xmlns:r="http://schemas.openxmlformats.org/officeDocument/2006/relationships" xmlns:p="http://schemas.openxmlformats.org/presentationml/2006/main">
   <p:cSld>
     <p:spTree>
@@ -14608,7 +12915,7 @@
 </p:sld>
 </file>
 
-<file path=ppt/slides/slide7.xml><?xml version="1.0" encoding="utf-8"?>
+<file path=ppt/slides/slide6.xml><?xml version="1.0" encoding="utf-8"?>
 <p:sld xmlns:a="http://schemas.openxmlformats.org/drawingml/2006/main" xmlns:r="http://schemas.openxmlformats.org/officeDocument/2006/relationships" xmlns:p="http://schemas.openxmlformats.org/presentationml/2006/main">
   <p:cSld>
     <p:spTree>
